--- a/validating_hot.pptx
+++ b/validating_hot.pptx
@@ -1,19 +1,114 @@
 
 <file path=ppt/presentation.xml><?xml version="1.0" encoding="utf-8"?>
-<p:presentation xmlns:a="http://schemas.openxmlformats.org/drawingml/2006/main" xmlns:p="http://schemas.openxmlformats.org/presentationml/2006/main" xmlns:r="http://schemas.openxmlformats.org/officeDocument/2006/relationships">
+<p:presentation xmlns:a="http://schemas.openxmlformats.org/drawingml/2006/main" xmlns:r="http://schemas.openxmlformats.org/officeDocument/2006/relationships" xmlns:p="http://schemas.openxmlformats.org/presentationml/2006/main">
   <p:sldMasterIdLst>
-    <p:sldMasterId id="2147483648" r:id="rId2"/>
+    <p:sldMasterId id="2147483648" r:id="rId1"/>
   </p:sldMasterIdLst>
   <p:sldIdLst>
-    <p:sldId id="256" r:id="rId3"/>
+    <p:sldId id="256" r:id="rId2"/>
   </p:sldIdLst>
   <p:sldSz cx="10080625" cy="7559675"/>
-  <p:notesSz cx="7559675" cy="10691812"/>
+  <p:notesSz cx="7559675" cy="10691813"/>
+  <p:defaultTextStyle>
+    <a:defPPr>
+      <a:defRPr lang="en-US"/>
+    </a:defPPr>
+    <a:lvl1pPr marL="0" algn="l" defTabSz="457200" rtl="0" eaLnBrk="1" latinLnBrk="0" hangingPunct="1">
+      <a:defRPr sz="1800" kern="1200">
+        <a:solidFill>
+          <a:schemeClr val="tx1"/>
+        </a:solidFill>
+        <a:latin typeface="+mn-lt"/>
+        <a:ea typeface="+mn-ea"/>
+        <a:cs typeface="+mn-cs"/>
+      </a:defRPr>
+    </a:lvl1pPr>
+    <a:lvl2pPr marL="457200" algn="l" defTabSz="457200" rtl="0" eaLnBrk="1" latinLnBrk="0" hangingPunct="1">
+      <a:defRPr sz="1800" kern="1200">
+        <a:solidFill>
+          <a:schemeClr val="tx1"/>
+        </a:solidFill>
+        <a:latin typeface="+mn-lt"/>
+        <a:ea typeface="+mn-ea"/>
+        <a:cs typeface="+mn-cs"/>
+      </a:defRPr>
+    </a:lvl2pPr>
+    <a:lvl3pPr marL="914400" algn="l" defTabSz="457200" rtl="0" eaLnBrk="1" latinLnBrk="0" hangingPunct="1">
+      <a:defRPr sz="1800" kern="1200">
+        <a:solidFill>
+          <a:schemeClr val="tx1"/>
+        </a:solidFill>
+        <a:latin typeface="+mn-lt"/>
+        <a:ea typeface="+mn-ea"/>
+        <a:cs typeface="+mn-cs"/>
+      </a:defRPr>
+    </a:lvl3pPr>
+    <a:lvl4pPr marL="1371600" algn="l" defTabSz="457200" rtl="0" eaLnBrk="1" latinLnBrk="0" hangingPunct="1">
+      <a:defRPr sz="1800" kern="1200">
+        <a:solidFill>
+          <a:schemeClr val="tx1"/>
+        </a:solidFill>
+        <a:latin typeface="+mn-lt"/>
+        <a:ea typeface="+mn-ea"/>
+        <a:cs typeface="+mn-cs"/>
+      </a:defRPr>
+    </a:lvl4pPr>
+    <a:lvl5pPr marL="1828800" algn="l" defTabSz="457200" rtl="0" eaLnBrk="1" latinLnBrk="0" hangingPunct="1">
+      <a:defRPr sz="1800" kern="1200">
+        <a:solidFill>
+          <a:schemeClr val="tx1"/>
+        </a:solidFill>
+        <a:latin typeface="+mn-lt"/>
+        <a:ea typeface="+mn-ea"/>
+        <a:cs typeface="+mn-cs"/>
+      </a:defRPr>
+    </a:lvl5pPr>
+    <a:lvl6pPr marL="2286000" algn="l" defTabSz="457200" rtl="0" eaLnBrk="1" latinLnBrk="0" hangingPunct="1">
+      <a:defRPr sz="1800" kern="1200">
+        <a:solidFill>
+          <a:schemeClr val="tx1"/>
+        </a:solidFill>
+        <a:latin typeface="+mn-lt"/>
+        <a:ea typeface="+mn-ea"/>
+        <a:cs typeface="+mn-cs"/>
+      </a:defRPr>
+    </a:lvl6pPr>
+    <a:lvl7pPr marL="2743200" algn="l" defTabSz="457200" rtl="0" eaLnBrk="1" latinLnBrk="0" hangingPunct="1">
+      <a:defRPr sz="1800" kern="1200">
+        <a:solidFill>
+          <a:schemeClr val="tx1"/>
+        </a:solidFill>
+        <a:latin typeface="+mn-lt"/>
+        <a:ea typeface="+mn-ea"/>
+        <a:cs typeface="+mn-cs"/>
+      </a:defRPr>
+    </a:lvl7pPr>
+    <a:lvl8pPr marL="3200400" algn="l" defTabSz="457200" rtl="0" eaLnBrk="1" latinLnBrk="0" hangingPunct="1">
+      <a:defRPr sz="1800" kern="1200">
+        <a:solidFill>
+          <a:schemeClr val="tx1"/>
+        </a:solidFill>
+        <a:latin typeface="+mn-lt"/>
+        <a:ea typeface="+mn-ea"/>
+        <a:cs typeface="+mn-cs"/>
+      </a:defRPr>
+    </a:lvl8pPr>
+    <a:lvl9pPr marL="3657600" algn="l" defTabSz="457200" rtl="0" eaLnBrk="1" latinLnBrk="0" hangingPunct="1">
+      <a:defRPr sz="1800" kern="1200">
+        <a:solidFill>
+          <a:schemeClr val="tx1"/>
+        </a:solidFill>
+        <a:latin typeface="+mn-lt"/>
+        <a:ea typeface="+mn-ea"/>
+        <a:cs typeface="+mn-cs"/>
+      </a:defRPr>
+    </a:lvl9pPr>
+  </p:defaultTextStyle>
 </p:presentation>
 </file>
 
 <file path=ppt/slideLayouts/slideLayout1.xml><?xml version="1.0" encoding="utf-8"?>
-<p:sldLayout xmlns:a="http://schemas.openxmlformats.org/drawingml/2006/main" xmlns:p="http://schemas.openxmlformats.org/presentationml/2006/main" xmlns:r="http://schemas.openxmlformats.org/officeDocument/2006/relationships" type="blank" preserve="1">
+<p:sldLayout xmlns:a="http://schemas.openxmlformats.org/drawingml/2006/main" xmlns:r="http://schemas.openxmlformats.org/officeDocument/2006/relationships" xmlns:p="http://schemas.openxmlformats.org/presentationml/2006/main" type="blank" preserve="1">
   <p:cSld name="Blank Slide">
     <p:spTree>
       <p:nvGrpSpPr>
@@ -31,11 +126,14 @@
       </p:grpSpPr>
     </p:spTree>
   </p:cSld>
+  <p:clrMapOvr>
+    <a:masterClrMapping/>
+  </p:clrMapOvr>
 </p:sldLayout>
 </file>
 
 <file path=ppt/slideLayouts/slideLayout10.xml><?xml version="1.0" encoding="utf-8"?>
-<p:sldLayout xmlns:a="http://schemas.openxmlformats.org/drawingml/2006/main" xmlns:p="http://schemas.openxmlformats.org/presentationml/2006/main" xmlns:r="http://schemas.openxmlformats.org/officeDocument/2006/relationships" type="objOverTx" preserve="1">
+<p:sldLayout xmlns:a="http://schemas.openxmlformats.org/drawingml/2006/main" xmlns:r="http://schemas.openxmlformats.org/officeDocument/2006/relationships" xmlns:p="http://schemas.openxmlformats.org/presentationml/2006/main" type="objOverTx" preserve="1">
   <p:cSld name="Title, Content over Content">
     <p:spTree>
       <p:nvGrpSpPr>
@@ -71,7 +169,8 @@
           </a:prstGeom>
         </p:spPr>
         <p:txBody>
-          <a:bodyPr lIns="0" rIns="0" tIns="0" bIns="0" anchor="ctr"/>
+          <a:bodyPr lIns="0" tIns="0" rIns="0" bIns="0" anchor="ctr"/>
+          <a:lstStyle/>
           <a:p>
             <a:pPr algn="ctr"/>
             <a:endParaRPr/>
@@ -98,7 +197,8 @@
           </a:prstGeom>
         </p:spPr>
         <p:txBody>
-          <a:bodyPr lIns="0" rIns="0" tIns="0" bIns="0"/>
+          <a:bodyPr lIns="0" tIns="0" rIns="0" bIns="0"/>
+          <a:lstStyle/>
           <a:p>
             <a:endParaRPr/>
           </a:p>
@@ -124,7 +224,8 @@
           </a:prstGeom>
         </p:spPr>
         <p:txBody>
-          <a:bodyPr lIns="0" rIns="0" tIns="0" bIns="0"/>
+          <a:bodyPr lIns="0" tIns="0" rIns="0" bIns="0"/>
+          <a:lstStyle/>
           <a:p>
             <a:endParaRPr/>
           </a:p>
@@ -132,11 +233,14 @@
       </p:sp>
     </p:spTree>
   </p:cSld>
+  <p:clrMapOvr>
+    <a:masterClrMapping/>
+  </p:clrMapOvr>
 </p:sldLayout>
 </file>
 
 <file path=ppt/slideLayouts/slideLayout11.xml><?xml version="1.0" encoding="utf-8"?>
-<p:sldLayout xmlns:a="http://schemas.openxmlformats.org/drawingml/2006/main" xmlns:p="http://schemas.openxmlformats.org/presentationml/2006/main" xmlns:r="http://schemas.openxmlformats.org/officeDocument/2006/relationships" type="fourObj" preserve="1">
+<p:sldLayout xmlns:a="http://schemas.openxmlformats.org/drawingml/2006/main" xmlns:r="http://schemas.openxmlformats.org/officeDocument/2006/relationships" xmlns:p="http://schemas.openxmlformats.org/presentationml/2006/main" type="fourObj" preserve="1">
   <p:cSld name="Title, 4 Content">
     <p:spTree>
       <p:nvGrpSpPr>
@@ -172,7 +276,8 @@
           </a:prstGeom>
         </p:spPr>
         <p:txBody>
-          <a:bodyPr lIns="0" rIns="0" tIns="0" bIns="0" anchor="ctr"/>
+          <a:bodyPr lIns="0" tIns="0" rIns="0" bIns="0" anchor="ctr"/>
+          <a:lstStyle/>
           <a:p>
             <a:pPr algn="ctr"/>
             <a:endParaRPr/>
@@ -199,7 +304,8 @@
           </a:prstGeom>
         </p:spPr>
         <p:txBody>
-          <a:bodyPr lIns="0" rIns="0" tIns="0" bIns="0"/>
+          <a:bodyPr lIns="0" tIns="0" rIns="0" bIns="0"/>
+          <a:lstStyle/>
           <a:p>
             <a:endParaRPr/>
           </a:p>
@@ -225,7 +331,8 @@
           </a:prstGeom>
         </p:spPr>
         <p:txBody>
-          <a:bodyPr lIns="0" rIns="0" tIns="0" bIns="0"/>
+          <a:bodyPr lIns="0" tIns="0" rIns="0" bIns="0"/>
+          <a:lstStyle/>
           <a:p>
             <a:endParaRPr/>
           </a:p>
@@ -251,7 +358,8 @@
           </a:prstGeom>
         </p:spPr>
         <p:txBody>
-          <a:bodyPr lIns="0" rIns="0" tIns="0" bIns="0"/>
+          <a:bodyPr lIns="0" tIns="0" rIns="0" bIns="0"/>
+          <a:lstStyle/>
           <a:p>
             <a:endParaRPr/>
           </a:p>
@@ -277,7 +385,8 @@
           </a:prstGeom>
         </p:spPr>
         <p:txBody>
-          <a:bodyPr lIns="0" rIns="0" tIns="0" bIns="0"/>
+          <a:bodyPr lIns="0" tIns="0" rIns="0" bIns="0"/>
+          <a:lstStyle/>
           <a:p>
             <a:endParaRPr/>
           </a:p>
@@ -285,11 +394,14 @@
       </p:sp>
     </p:spTree>
   </p:cSld>
+  <p:clrMapOvr>
+    <a:masterClrMapping/>
+  </p:clrMapOvr>
 </p:sldLayout>
 </file>
 
 <file path=ppt/slideLayouts/slideLayout12.xml><?xml version="1.0" encoding="utf-8"?>
-<p:sldLayout xmlns:a="http://schemas.openxmlformats.org/drawingml/2006/main" xmlns:p="http://schemas.openxmlformats.org/presentationml/2006/main" xmlns:r="http://schemas.openxmlformats.org/officeDocument/2006/relationships" type="blank" preserve="1">
+<p:sldLayout xmlns:a="http://schemas.openxmlformats.org/drawingml/2006/main" xmlns:r="http://schemas.openxmlformats.org/officeDocument/2006/relationships" xmlns:p="http://schemas.openxmlformats.org/presentationml/2006/main" type="blank" preserve="1">
   <p:cSld name="Title, 6 Content">
     <p:spTree>
       <p:nvGrpSpPr>
@@ -325,7 +437,8 @@
           </a:prstGeom>
         </p:spPr>
         <p:txBody>
-          <a:bodyPr lIns="0" rIns="0" tIns="0" bIns="0" anchor="ctr"/>
+          <a:bodyPr lIns="0" tIns="0" rIns="0" bIns="0" anchor="ctr"/>
+          <a:lstStyle/>
           <a:p>
             <a:pPr algn="ctr"/>
             <a:endParaRPr/>
@@ -352,7 +465,8 @@
           </a:prstGeom>
         </p:spPr>
         <p:txBody>
-          <a:bodyPr lIns="0" rIns="0" tIns="0" bIns="0"/>
+          <a:bodyPr lIns="0" tIns="0" rIns="0" bIns="0"/>
+          <a:lstStyle/>
           <a:p>
             <a:endParaRPr/>
           </a:p>
@@ -378,7 +492,8 @@
           </a:prstGeom>
         </p:spPr>
         <p:txBody>
-          <a:bodyPr lIns="0" rIns="0" tIns="0" bIns="0"/>
+          <a:bodyPr lIns="0" tIns="0" rIns="0" bIns="0"/>
+          <a:lstStyle/>
           <a:p>
             <a:endParaRPr/>
           </a:p>
@@ -386,7 +501,7 @@
       </p:sp>
       <p:pic>
         <p:nvPicPr>
-          <p:cNvPr id="37" name="" descr=""/>
+          <p:cNvPr id="37" name="Picture 36"/>
           <p:cNvPicPr/>
           <p:nvPr/>
         </p:nvPicPr>
@@ -411,12 +526,12 @@
       </p:pic>
       <p:pic>
         <p:nvPicPr>
-          <p:cNvPr id="38" name="" descr=""/>
+          <p:cNvPr id="38" name="Picture 37"/>
           <p:cNvPicPr/>
           <p:nvPr/>
         </p:nvPicPr>
         <p:blipFill>
-          <a:blip r:embed="rId3"/>
+          <a:blip r:embed="rId2"/>
           <a:stretch>
             <a:fillRect/>
           </a:stretch>
@@ -436,11 +551,14 @@
       </p:pic>
     </p:spTree>
   </p:cSld>
+  <p:clrMapOvr>
+    <a:masterClrMapping/>
+  </p:clrMapOvr>
 </p:sldLayout>
 </file>
 
 <file path=ppt/slideLayouts/slideLayout2.xml><?xml version="1.0" encoding="utf-8"?>
-<p:sldLayout xmlns:a="http://schemas.openxmlformats.org/drawingml/2006/main" xmlns:p="http://schemas.openxmlformats.org/presentationml/2006/main" xmlns:r="http://schemas.openxmlformats.org/officeDocument/2006/relationships" type="tx" preserve="1">
+<p:sldLayout xmlns:a="http://schemas.openxmlformats.org/drawingml/2006/main" xmlns:r="http://schemas.openxmlformats.org/officeDocument/2006/relationships" xmlns:p="http://schemas.openxmlformats.org/presentationml/2006/main" type="tx" preserve="1">
   <p:cSld name="Title Slide">
     <p:spTree>
       <p:nvGrpSpPr>
@@ -476,7 +594,8 @@
           </a:prstGeom>
         </p:spPr>
         <p:txBody>
-          <a:bodyPr lIns="0" rIns="0" tIns="0" bIns="0" anchor="ctr"/>
+          <a:bodyPr lIns="0" tIns="0" rIns="0" bIns="0" anchor="ctr"/>
+          <a:lstStyle/>
           <a:p>
             <a:pPr algn="ctr"/>
             <a:endParaRPr/>
@@ -503,7 +622,8 @@
           </a:prstGeom>
         </p:spPr>
         <p:txBody>
-          <a:bodyPr lIns="0" rIns="0" tIns="0" bIns="0" anchor="ctr"/>
+          <a:bodyPr lIns="0" tIns="0" rIns="0" bIns="0" anchor="ctr"/>
+          <a:lstStyle/>
           <a:p>
             <a:pPr algn="ctr"/>
             <a:endParaRPr/>
@@ -512,11 +632,14 @@
       </p:sp>
     </p:spTree>
   </p:cSld>
+  <p:clrMapOvr>
+    <a:masterClrMapping/>
+  </p:clrMapOvr>
 </p:sldLayout>
 </file>
 
 <file path=ppt/slideLayouts/slideLayout3.xml><?xml version="1.0" encoding="utf-8"?>
-<p:sldLayout xmlns:a="http://schemas.openxmlformats.org/drawingml/2006/main" xmlns:p="http://schemas.openxmlformats.org/presentationml/2006/main" xmlns:r="http://schemas.openxmlformats.org/officeDocument/2006/relationships" type="obj" preserve="1">
+<p:sldLayout xmlns:a="http://schemas.openxmlformats.org/drawingml/2006/main" xmlns:r="http://schemas.openxmlformats.org/officeDocument/2006/relationships" xmlns:p="http://schemas.openxmlformats.org/presentationml/2006/main" type="obj" preserve="1">
   <p:cSld name="Title, Content">
     <p:spTree>
       <p:nvGrpSpPr>
@@ -552,7 +675,8 @@
           </a:prstGeom>
         </p:spPr>
         <p:txBody>
-          <a:bodyPr lIns="0" rIns="0" tIns="0" bIns="0" anchor="ctr"/>
+          <a:bodyPr lIns="0" tIns="0" rIns="0" bIns="0" anchor="ctr"/>
+          <a:lstStyle/>
           <a:p>
             <a:pPr algn="ctr"/>
             <a:endParaRPr/>
@@ -579,7 +703,8 @@
           </a:prstGeom>
         </p:spPr>
         <p:txBody>
-          <a:bodyPr lIns="0" rIns="0" tIns="0" bIns="0"/>
+          <a:bodyPr lIns="0" tIns="0" rIns="0" bIns="0"/>
+          <a:lstStyle/>
           <a:p>
             <a:endParaRPr/>
           </a:p>
@@ -587,11 +712,14 @@
       </p:sp>
     </p:spTree>
   </p:cSld>
+  <p:clrMapOvr>
+    <a:masterClrMapping/>
+  </p:clrMapOvr>
 </p:sldLayout>
 </file>
 
 <file path=ppt/slideLayouts/slideLayout4.xml><?xml version="1.0" encoding="utf-8"?>
-<p:sldLayout xmlns:a="http://schemas.openxmlformats.org/drawingml/2006/main" xmlns:p="http://schemas.openxmlformats.org/presentationml/2006/main" xmlns:r="http://schemas.openxmlformats.org/officeDocument/2006/relationships" type="twoObj" preserve="1">
+<p:sldLayout xmlns:a="http://schemas.openxmlformats.org/drawingml/2006/main" xmlns:r="http://schemas.openxmlformats.org/officeDocument/2006/relationships" xmlns:p="http://schemas.openxmlformats.org/presentationml/2006/main" type="twoObj" preserve="1">
   <p:cSld name="Title, 2 Content">
     <p:spTree>
       <p:nvGrpSpPr>
@@ -627,7 +755,8 @@
           </a:prstGeom>
         </p:spPr>
         <p:txBody>
-          <a:bodyPr lIns="0" rIns="0" tIns="0" bIns="0" anchor="ctr"/>
+          <a:bodyPr lIns="0" tIns="0" rIns="0" bIns="0" anchor="ctr"/>
+          <a:lstStyle/>
           <a:p>
             <a:pPr algn="ctr"/>
             <a:endParaRPr/>
@@ -654,7 +783,8 @@
           </a:prstGeom>
         </p:spPr>
         <p:txBody>
-          <a:bodyPr lIns="0" rIns="0" tIns="0" bIns="0"/>
+          <a:bodyPr lIns="0" tIns="0" rIns="0" bIns="0"/>
+          <a:lstStyle/>
           <a:p>
             <a:endParaRPr/>
           </a:p>
@@ -680,7 +810,8 @@
           </a:prstGeom>
         </p:spPr>
         <p:txBody>
-          <a:bodyPr lIns="0" rIns="0" tIns="0" bIns="0"/>
+          <a:bodyPr lIns="0" tIns="0" rIns="0" bIns="0"/>
+          <a:lstStyle/>
           <a:p>
             <a:endParaRPr/>
           </a:p>
@@ -688,11 +819,14 @@
       </p:sp>
     </p:spTree>
   </p:cSld>
+  <p:clrMapOvr>
+    <a:masterClrMapping/>
+  </p:clrMapOvr>
 </p:sldLayout>
 </file>
 
 <file path=ppt/slideLayouts/slideLayout5.xml><?xml version="1.0" encoding="utf-8"?>
-<p:sldLayout xmlns:a="http://schemas.openxmlformats.org/drawingml/2006/main" xmlns:p="http://schemas.openxmlformats.org/presentationml/2006/main" xmlns:r="http://schemas.openxmlformats.org/officeDocument/2006/relationships" type="titleOnly" preserve="1">
+<p:sldLayout xmlns:a="http://schemas.openxmlformats.org/drawingml/2006/main" xmlns:r="http://schemas.openxmlformats.org/officeDocument/2006/relationships" xmlns:p="http://schemas.openxmlformats.org/presentationml/2006/main" type="titleOnly" preserve="1">
   <p:cSld name="Title Only">
     <p:spTree>
       <p:nvGrpSpPr>
@@ -728,7 +862,8 @@
           </a:prstGeom>
         </p:spPr>
         <p:txBody>
-          <a:bodyPr lIns="0" rIns="0" tIns="0" bIns="0" anchor="ctr"/>
+          <a:bodyPr lIns="0" tIns="0" rIns="0" bIns="0" anchor="ctr"/>
+          <a:lstStyle/>
           <a:p>
             <a:pPr algn="ctr"/>
             <a:endParaRPr/>
@@ -737,11 +872,14 @@
       </p:sp>
     </p:spTree>
   </p:cSld>
+  <p:clrMapOvr>
+    <a:masterClrMapping/>
+  </p:clrMapOvr>
 </p:sldLayout>
 </file>
 
 <file path=ppt/slideLayouts/slideLayout6.xml><?xml version="1.0" encoding="utf-8"?>
-<p:sldLayout xmlns:a="http://schemas.openxmlformats.org/drawingml/2006/main" xmlns:p="http://schemas.openxmlformats.org/presentationml/2006/main" xmlns:r="http://schemas.openxmlformats.org/officeDocument/2006/relationships" type="objOnly" preserve="1">
+<p:sldLayout xmlns:a="http://schemas.openxmlformats.org/drawingml/2006/main" xmlns:r="http://schemas.openxmlformats.org/officeDocument/2006/relationships" xmlns:p="http://schemas.openxmlformats.org/presentationml/2006/main" type="objOnly" preserve="1">
   <p:cSld name="Centered Text">
     <p:spTree>
       <p:nvGrpSpPr>
@@ -777,7 +915,8 @@
           </a:prstGeom>
         </p:spPr>
         <p:txBody>
-          <a:bodyPr lIns="0" rIns="0" tIns="0" bIns="0" anchor="ctr"/>
+          <a:bodyPr lIns="0" tIns="0" rIns="0" bIns="0" anchor="ctr"/>
+          <a:lstStyle/>
           <a:p>
             <a:pPr algn="ctr"/>
             <a:endParaRPr/>
@@ -786,11 +925,14 @@
       </p:sp>
     </p:spTree>
   </p:cSld>
+  <p:clrMapOvr>
+    <a:masterClrMapping/>
+  </p:clrMapOvr>
 </p:sldLayout>
 </file>
 
 <file path=ppt/slideLayouts/slideLayout7.xml><?xml version="1.0" encoding="utf-8"?>
-<p:sldLayout xmlns:a="http://schemas.openxmlformats.org/drawingml/2006/main" xmlns:p="http://schemas.openxmlformats.org/presentationml/2006/main" xmlns:r="http://schemas.openxmlformats.org/officeDocument/2006/relationships" type="twoObjAndObj" preserve="1">
+<p:sldLayout xmlns:a="http://schemas.openxmlformats.org/drawingml/2006/main" xmlns:r="http://schemas.openxmlformats.org/officeDocument/2006/relationships" xmlns:p="http://schemas.openxmlformats.org/presentationml/2006/main" type="twoObjAndObj" preserve="1">
   <p:cSld name="Title, 2 Content and Content">
     <p:spTree>
       <p:nvGrpSpPr>
@@ -826,7 +968,8 @@
           </a:prstGeom>
         </p:spPr>
         <p:txBody>
-          <a:bodyPr lIns="0" rIns="0" tIns="0" bIns="0" anchor="ctr"/>
+          <a:bodyPr lIns="0" tIns="0" rIns="0" bIns="0" anchor="ctr"/>
+          <a:lstStyle/>
           <a:p>
             <a:pPr algn="ctr"/>
             <a:endParaRPr/>
@@ -853,7 +996,8 @@
           </a:prstGeom>
         </p:spPr>
         <p:txBody>
-          <a:bodyPr lIns="0" rIns="0" tIns="0" bIns="0"/>
+          <a:bodyPr lIns="0" tIns="0" rIns="0" bIns="0"/>
+          <a:lstStyle/>
           <a:p>
             <a:endParaRPr/>
           </a:p>
@@ -879,7 +1023,8 @@
           </a:prstGeom>
         </p:spPr>
         <p:txBody>
-          <a:bodyPr lIns="0" rIns="0" tIns="0" bIns="0"/>
+          <a:bodyPr lIns="0" tIns="0" rIns="0" bIns="0"/>
+          <a:lstStyle/>
           <a:p>
             <a:endParaRPr/>
           </a:p>
@@ -905,7 +1050,8 @@
           </a:prstGeom>
         </p:spPr>
         <p:txBody>
-          <a:bodyPr lIns="0" rIns="0" tIns="0" bIns="0"/>
+          <a:bodyPr lIns="0" tIns="0" rIns="0" bIns="0"/>
+          <a:lstStyle/>
           <a:p>
             <a:endParaRPr/>
           </a:p>
@@ -913,11 +1059,14 @@
       </p:sp>
     </p:spTree>
   </p:cSld>
+  <p:clrMapOvr>
+    <a:masterClrMapping/>
+  </p:clrMapOvr>
 </p:sldLayout>
 </file>
 
 <file path=ppt/slideLayouts/slideLayout8.xml><?xml version="1.0" encoding="utf-8"?>
-<p:sldLayout xmlns:a="http://schemas.openxmlformats.org/drawingml/2006/main" xmlns:p="http://schemas.openxmlformats.org/presentationml/2006/main" xmlns:r="http://schemas.openxmlformats.org/officeDocument/2006/relationships" type="objAndTwoObj" preserve="1">
+<p:sldLayout xmlns:a="http://schemas.openxmlformats.org/drawingml/2006/main" xmlns:r="http://schemas.openxmlformats.org/officeDocument/2006/relationships" xmlns:p="http://schemas.openxmlformats.org/presentationml/2006/main" type="objAndTwoObj" preserve="1">
   <p:cSld name="Title Content and 2 Content">
     <p:spTree>
       <p:nvGrpSpPr>
@@ -953,7 +1102,8 @@
           </a:prstGeom>
         </p:spPr>
         <p:txBody>
-          <a:bodyPr lIns="0" rIns="0" tIns="0" bIns="0" anchor="ctr"/>
+          <a:bodyPr lIns="0" tIns="0" rIns="0" bIns="0" anchor="ctr"/>
+          <a:lstStyle/>
           <a:p>
             <a:pPr algn="ctr"/>
             <a:endParaRPr/>
@@ -980,7 +1130,8 @@
           </a:prstGeom>
         </p:spPr>
         <p:txBody>
-          <a:bodyPr lIns="0" rIns="0" tIns="0" bIns="0"/>
+          <a:bodyPr lIns="0" tIns="0" rIns="0" bIns="0"/>
+          <a:lstStyle/>
           <a:p>
             <a:endParaRPr/>
           </a:p>
@@ -1006,7 +1157,8 @@
           </a:prstGeom>
         </p:spPr>
         <p:txBody>
-          <a:bodyPr lIns="0" rIns="0" tIns="0" bIns="0"/>
+          <a:bodyPr lIns="0" tIns="0" rIns="0" bIns="0"/>
+          <a:lstStyle/>
           <a:p>
             <a:endParaRPr/>
           </a:p>
@@ -1032,7 +1184,8 @@
           </a:prstGeom>
         </p:spPr>
         <p:txBody>
-          <a:bodyPr lIns="0" rIns="0" tIns="0" bIns="0"/>
+          <a:bodyPr lIns="0" tIns="0" rIns="0" bIns="0"/>
+          <a:lstStyle/>
           <a:p>
             <a:endParaRPr/>
           </a:p>
@@ -1040,11 +1193,14 @@
       </p:sp>
     </p:spTree>
   </p:cSld>
+  <p:clrMapOvr>
+    <a:masterClrMapping/>
+  </p:clrMapOvr>
 </p:sldLayout>
 </file>
 
 <file path=ppt/slideLayouts/slideLayout9.xml><?xml version="1.0" encoding="utf-8"?>
-<p:sldLayout xmlns:a="http://schemas.openxmlformats.org/drawingml/2006/main" xmlns:p="http://schemas.openxmlformats.org/presentationml/2006/main" xmlns:r="http://schemas.openxmlformats.org/officeDocument/2006/relationships" type="twoObjOverTx" preserve="1">
+<p:sldLayout xmlns:a="http://schemas.openxmlformats.org/drawingml/2006/main" xmlns:r="http://schemas.openxmlformats.org/officeDocument/2006/relationships" xmlns:p="http://schemas.openxmlformats.org/presentationml/2006/main" type="twoObjOverTx" preserve="1">
   <p:cSld name="Title, 2 Content over Content">
     <p:spTree>
       <p:nvGrpSpPr>
@@ -1080,7 +1236,8 @@
           </a:prstGeom>
         </p:spPr>
         <p:txBody>
-          <a:bodyPr lIns="0" rIns="0" tIns="0" bIns="0" anchor="ctr"/>
+          <a:bodyPr lIns="0" tIns="0" rIns="0" bIns="0" anchor="ctr"/>
+          <a:lstStyle/>
           <a:p>
             <a:pPr algn="ctr"/>
             <a:endParaRPr/>
@@ -1107,7 +1264,8 @@
           </a:prstGeom>
         </p:spPr>
         <p:txBody>
-          <a:bodyPr lIns="0" rIns="0" tIns="0" bIns="0"/>
+          <a:bodyPr lIns="0" tIns="0" rIns="0" bIns="0"/>
+          <a:lstStyle/>
           <a:p>
             <a:endParaRPr/>
           </a:p>
@@ -1133,7 +1291,8 @@
           </a:prstGeom>
         </p:spPr>
         <p:txBody>
-          <a:bodyPr lIns="0" rIns="0" tIns="0" bIns="0"/>
+          <a:bodyPr lIns="0" tIns="0" rIns="0" bIns="0"/>
+          <a:lstStyle/>
           <a:p>
             <a:endParaRPr/>
           </a:p>
@@ -1159,7 +1318,8 @@
           </a:prstGeom>
         </p:spPr>
         <p:txBody>
-          <a:bodyPr lIns="0" rIns="0" tIns="0" bIns="0"/>
+          <a:bodyPr lIns="0" tIns="0" rIns="0" bIns="0"/>
+          <a:lstStyle/>
           <a:p>
             <a:endParaRPr/>
           </a:p>
@@ -1167,11 +1327,318 @@
       </p:sp>
     </p:spTree>
   </p:cSld>
+  <p:clrMapOvr>
+    <a:masterClrMapping/>
+  </p:clrMapOvr>
 </p:sldLayout>
 </file>
 
 <file path=ppt/slideMasters/slideMaster1.xml><?xml version="1.0" encoding="utf-8"?>
-<p:sldMaster xmlns:a="http://schemas.openxmlformats.org/drawingml/2006/main" xmlns:p="http://schemas.openxmlformats.org/presentationml/2006/main" xmlns:r="http://schemas.openxmlformats.org/officeDocument/2006/relationships">
+<p:sldMaster xmlns:a="http://schemas.openxmlformats.org/drawingml/2006/main" xmlns:r="http://schemas.openxmlformats.org/officeDocument/2006/relationships" xmlns:p="http://schemas.openxmlformats.org/presentationml/2006/main">
+  <p:cSld>
+    <p:bg>
+      <p:bgRef idx="1001">
+        <a:schemeClr val="bg1"/>
+      </p:bgRef>
+    </p:bg>
+    <p:spTree>
+      <p:nvGrpSpPr>
+        <p:cNvPr id="1" name=""/>
+        <p:cNvGrpSpPr/>
+        <p:nvPr/>
+      </p:nvGrpSpPr>
+      <p:grpSpPr>
+        <a:xfrm>
+          <a:off x="0" y="0"/>
+          <a:ext cx="0" cy="0"/>
+          <a:chOff x="0" y="0"/>
+          <a:chExt cx="0" cy="0"/>
+        </a:xfrm>
+      </p:grpSpPr>
+      <p:sp>
+        <p:nvSpPr>
+          <p:cNvPr id="5" name="PlaceHolder 1"/>
+          <p:cNvSpPr>
+            <a:spLocks noGrp="1"/>
+          </p:cNvSpPr>
+          <p:nvPr>
+            <p:ph type="title"/>
+          </p:nvPr>
+        </p:nvSpPr>
+        <p:spPr>
+          <a:xfrm>
+            <a:off x="504000" y="301320"/>
+            <a:ext cx="9071640" cy="1262160"/>
+          </a:xfrm>
+          <a:prstGeom prst="rect">
+            <a:avLst/>
+          </a:prstGeom>
+        </p:spPr>
+        <p:txBody>
+          <a:bodyPr lIns="0" tIns="0" rIns="0" bIns="0" anchor="ctr"/>
+          <a:lstStyle/>
+          <a:p>
+            <a:pPr algn="ctr"/>
+            <a:r>
+              <a:rPr lang="nl-NL" sz="4400">
+                <a:latin typeface="Arial"/>
+              </a:rPr>
+              <a:t>Click to edit the title text format</a:t>
+            </a:r>
+            <a:endParaRPr/>
+          </a:p>
+        </p:txBody>
+      </p:sp>
+      <p:sp>
+        <p:nvSpPr>
+          <p:cNvPr id="6" name="PlaceHolder 2"/>
+          <p:cNvSpPr>
+            <a:spLocks noGrp="1"/>
+          </p:cNvSpPr>
+          <p:nvPr>
+            <p:ph type="body"/>
+          </p:nvPr>
+        </p:nvSpPr>
+        <p:spPr>
+          <a:xfrm>
+            <a:off x="504000" y="1769040"/>
+            <a:ext cx="9071640" cy="4384440"/>
+          </a:xfrm>
+          <a:prstGeom prst="rect">
+            <a:avLst/>
+          </a:prstGeom>
+        </p:spPr>
+        <p:txBody>
+          <a:bodyPr lIns="0" tIns="0" rIns="0" bIns="0"/>
+          <a:lstStyle/>
+          <a:p>
+            <a:pPr>
+              <a:buSzPct val="45000"/>
+              <a:buFont typeface="StarSymbol"/>
+              <a:buChar char=""/>
+            </a:pPr>
+            <a:r>
+              <a:rPr lang="nl-NL" sz="3200">
+                <a:latin typeface="Arial"/>
+              </a:rPr>
+              <a:t>Click to edit the outline text format</a:t>
+            </a:r>
+            <a:endParaRPr/>
+          </a:p>
+          <a:p>
+            <a:pPr lvl="1">
+              <a:buSzPct val="75000"/>
+              <a:buFont typeface="StarSymbol"/>
+              <a:buChar char=""/>
+            </a:pPr>
+            <a:r>
+              <a:rPr lang="nl-NL" sz="2800">
+                <a:latin typeface="Arial"/>
+              </a:rPr>
+              <a:t>Second Outline Level</a:t>
+            </a:r>
+            <a:endParaRPr/>
+          </a:p>
+          <a:p>
+            <a:pPr lvl="2">
+              <a:buSzPct val="45000"/>
+              <a:buFont typeface="StarSymbol"/>
+              <a:buChar char=""/>
+            </a:pPr>
+            <a:r>
+              <a:rPr lang="nl-NL" sz="2400">
+                <a:latin typeface="Arial"/>
+              </a:rPr>
+              <a:t>Third Outline Level</a:t>
+            </a:r>
+            <a:endParaRPr/>
+          </a:p>
+          <a:p>
+            <a:pPr lvl="3">
+              <a:buSzPct val="75000"/>
+              <a:buFont typeface="StarSymbol"/>
+              <a:buChar char=""/>
+            </a:pPr>
+            <a:r>
+              <a:rPr lang="nl-NL" sz="2000">
+                <a:latin typeface="Arial"/>
+              </a:rPr>
+              <a:t>Fourth Outline Level</a:t>
+            </a:r>
+            <a:endParaRPr/>
+          </a:p>
+          <a:p>
+            <a:pPr lvl="4">
+              <a:buSzPct val="45000"/>
+              <a:buFont typeface="StarSymbol"/>
+              <a:buChar char=""/>
+            </a:pPr>
+            <a:r>
+              <a:rPr lang="nl-NL" sz="2000">
+                <a:latin typeface="Arial"/>
+              </a:rPr>
+              <a:t>Fifth Outline Level</a:t>
+            </a:r>
+            <a:endParaRPr/>
+          </a:p>
+          <a:p>
+            <a:pPr lvl="5">
+              <a:buSzPct val="45000"/>
+              <a:buFont typeface="StarSymbol"/>
+              <a:buChar char=""/>
+            </a:pPr>
+            <a:r>
+              <a:rPr lang="nl-NL" sz="2000">
+                <a:latin typeface="Arial"/>
+              </a:rPr>
+              <a:t>Sixth Outline Level</a:t>
+            </a:r>
+            <a:endParaRPr/>
+          </a:p>
+          <a:p>
+            <a:pPr lvl="6">
+              <a:buSzPct val="45000"/>
+              <a:buFont typeface="StarSymbol"/>
+              <a:buChar char=""/>
+            </a:pPr>
+            <a:r>
+              <a:rPr lang="nl-NL" sz="2000">
+                <a:latin typeface="Arial"/>
+              </a:rPr>
+              <a:t>Seventh Outline Level</a:t>
+            </a:r>
+            <a:endParaRPr/>
+          </a:p>
+        </p:txBody>
+      </p:sp>
+      <p:sp>
+        <p:nvSpPr>
+          <p:cNvPr id="2" name="PlaceHolder 3"/>
+          <p:cNvSpPr>
+            <a:spLocks noGrp="1"/>
+          </p:cNvSpPr>
+          <p:nvPr>
+            <p:ph type="dt"/>
+          </p:nvPr>
+        </p:nvSpPr>
+        <p:spPr>
+          <a:xfrm>
+            <a:off x="504000" y="6887160"/>
+            <a:ext cx="2348280" cy="521280"/>
+          </a:xfrm>
+          <a:prstGeom prst="rect">
+            <a:avLst/>
+          </a:prstGeom>
+        </p:spPr>
+        <p:txBody>
+          <a:bodyPr lIns="0" tIns="0" rIns="0" bIns="0"/>
+          <a:lstStyle/>
+          <a:p>
+            <a:r>
+              <a:rPr lang="nl-NL" sz="1400">
+                <a:latin typeface="Times New Roman"/>
+              </a:rPr>
+              <a:t>&lt;date/time&gt;</a:t>
+            </a:r>
+            <a:endParaRPr/>
+          </a:p>
+        </p:txBody>
+      </p:sp>
+      <p:sp>
+        <p:nvSpPr>
+          <p:cNvPr id="3" name="PlaceHolder 4"/>
+          <p:cNvSpPr>
+            <a:spLocks noGrp="1"/>
+          </p:cNvSpPr>
+          <p:nvPr>
+            <p:ph type="ftr"/>
+          </p:nvPr>
+        </p:nvSpPr>
+        <p:spPr>
+          <a:xfrm>
+            <a:off x="3447360" y="6887160"/>
+            <a:ext cx="3195000" cy="521280"/>
+          </a:xfrm>
+          <a:prstGeom prst="rect">
+            <a:avLst/>
+          </a:prstGeom>
+        </p:spPr>
+        <p:txBody>
+          <a:bodyPr lIns="0" tIns="0" rIns="0" bIns="0"/>
+          <a:lstStyle/>
+          <a:p>
+            <a:pPr algn="ctr"/>
+            <a:r>
+              <a:rPr lang="nl-NL" sz="1400">
+                <a:latin typeface="Times New Roman"/>
+              </a:rPr>
+              <a:t>&lt;footer&gt;</a:t>
+            </a:r>
+            <a:endParaRPr/>
+          </a:p>
+        </p:txBody>
+      </p:sp>
+      <p:sp>
+        <p:nvSpPr>
+          <p:cNvPr id="4" name="PlaceHolder 5"/>
+          <p:cNvSpPr>
+            <a:spLocks noGrp="1"/>
+          </p:cNvSpPr>
+          <p:nvPr>
+            <p:ph type="sldNum"/>
+          </p:nvPr>
+        </p:nvSpPr>
+        <p:spPr>
+          <a:xfrm>
+            <a:off x="7227360" y="6887160"/>
+            <a:ext cx="2348280" cy="521280"/>
+          </a:xfrm>
+          <a:prstGeom prst="rect">
+            <a:avLst/>
+          </a:prstGeom>
+        </p:spPr>
+        <p:txBody>
+          <a:bodyPr lIns="0" tIns="0" rIns="0" bIns="0"/>
+          <a:lstStyle/>
+          <a:p>
+            <a:pPr algn="r"/>
+            <a:fld id="{7D6380C2-5D97-4F0C-8B1D-11834C40B687}" type="slidenum">
+              <a:rPr lang="nl-NL" sz="1400">
+                <a:latin typeface="Times New Roman"/>
+              </a:rPr>
+              <a:t>‹#›</a:t>
+            </a:fld>
+            <a:endParaRPr/>
+          </a:p>
+        </p:txBody>
+      </p:sp>
+    </p:spTree>
+  </p:cSld>
+  <p:clrMap bg1="lt1" tx1="dk1" bg2="lt2" tx2="dk2" accent1="accent1" accent2="accent2" accent3="accent3" accent4="accent4" accent5="accent5" accent6="accent6" hlink="hlink" folHlink="folHlink"/>
+  <p:sldLayoutIdLst>
+    <p:sldLayoutId id="2147483649" r:id="rId1"/>
+    <p:sldLayoutId id="2147483650" r:id="rId2"/>
+    <p:sldLayoutId id="2147483651" r:id="rId3"/>
+    <p:sldLayoutId id="2147483652" r:id="rId4"/>
+    <p:sldLayoutId id="2147483653" r:id="rId5"/>
+    <p:sldLayoutId id="2147483654" r:id="rId6"/>
+    <p:sldLayoutId id="2147483655" r:id="rId7"/>
+    <p:sldLayoutId id="2147483656" r:id="rId8"/>
+    <p:sldLayoutId id="2147483657" r:id="rId9"/>
+    <p:sldLayoutId id="2147483658" r:id="rId10"/>
+    <p:sldLayoutId id="2147483659" r:id="rId11"/>
+    <p:sldLayoutId id="2147483660" r:id="rId12"/>
+  </p:sldLayoutIdLst>
+  <p:txStyles>
+    <p:titleStyle/>
+    <p:bodyStyle/>
+    <p:otherStyle/>
+  </p:txStyles>
+</p:sldMaster>
+</file>
+
+<file path=ppt/slides/slide1.xml><?xml version="1.0" encoding="utf-8"?>
+<p:sld xmlns:a="http://schemas.openxmlformats.org/drawingml/2006/main" xmlns:r="http://schemas.openxmlformats.org/officeDocument/2006/relationships" xmlns:p="http://schemas.openxmlformats.org/presentationml/2006/main">
   <p:cSld>
     <p:spTree>
       <p:nvGrpSpPr>
@@ -1189,295 +1656,6 @@
       </p:grpSpPr>
       <p:sp>
         <p:nvSpPr>
-          <p:cNvPr id="0" name="PlaceHolder 1"/>
-          <p:cNvSpPr>
-            <a:spLocks noGrp="1"/>
-          </p:cNvSpPr>
-          <p:nvPr>
-            <p:ph type="title"/>
-          </p:nvPr>
-        </p:nvSpPr>
-        <p:spPr>
-          <a:xfrm>
-            <a:off x="504000" y="301320"/>
-            <a:ext cx="9071640" cy="1262160"/>
-          </a:xfrm>
-          <a:prstGeom prst="rect">
-            <a:avLst/>
-          </a:prstGeom>
-        </p:spPr>
-        <p:txBody>
-          <a:bodyPr lIns="0" rIns="0" tIns="0" bIns="0" anchor="ctr"/>
-          <a:p>
-            <a:pPr algn="ctr"/>
-            <a:r>
-              <a:rPr lang="nl-NL" sz="4400">
-                <a:latin typeface="Arial"/>
-              </a:rPr>
-              <a:t>Click to edit the title text format</a:t>
-            </a:r>
-            <a:endParaRPr/>
-          </a:p>
-        </p:txBody>
-      </p:sp>
-      <p:sp>
-        <p:nvSpPr>
-          <p:cNvPr id="1" name="PlaceHolder 2"/>
-          <p:cNvSpPr>
-            <a:spLocks noGrp="1"/>
-          </p:cNvSpPr>
-          <p:nvPr>
-            <p:ph type="body"/>
-          </p:nvPr>
-        </p:nvSpPr>
-        <p:spPr>
-          <a:xfrm>
-            <a:off x="504000" y="1769040"/>
-            <a:ext cx="9071640" cy="4384440"/>
-          </a:xfrm>
-          <a:prstGeom prst="rect">
-            <a:avLst/>
-          </a:prstGeom>
-        </p:spPr>
-        <p:txBody>
-          <a:bodyPr lIns="0" rIns="0" tIns="0" bIns="0"/>
-          <a:p>
-            <a:pPr>
-              <a:buSzPct val="45000"/>
-              <a:buFont typeface="StarSymbol"/>
-              <a:buChar char=""/>
-            </a:pPr>
-            <a:r>
-              <a:rPr lang="nl-NL" sz="3200">
-                <a:latin typeface="Arial"/>
-              </a:rPr>
-              <a:t>Click to edit the outline text format</a:t>
-            </a:r>
-            <a:endParaRPr/>
-          </a:p>
-          <a:p>
-            <a:pPr lvl="1">
-              <a:buSzPct val="75000"/>
-              <a:buFont typeface="StarSymbol"/>
-              <a:buChar char=""/>
-            </a:pPr>
-            <a:r>
-              <a:rPr lang="nl-NL" sz="2800">
-                <a:latin typeface="Arial"/>
-              </a:rPr>
-              <a:t>Second Outline Level</a:t>
-            </a:r>
-            <a:endParaRPr/>
-          </a:p>
-          <a:p>
-            <a:pPr lvl="2">
-              <a:buSzPct val="45000"/>
-              <a:buFont typeface="StarSymbol"/>
-              <a:buChar char=""/>
-            </a:pPr>
-            <a:r>
-              <a:rPr lang="nl-NL" sz="2400">
-                <a:latin typeface="Arial"/>
-              </a:rPr>
-              <a:t>Third Outline Level</a:t>
-            </a:r>
-            <a:endParaRPr/>
-          </a:p>
-          <a:p>
-            <a:pPr lvl="3">
-              <a:buSzPct val="75000"/>
-              <a:buFont typeface="StarSymbol"/>
-              <a:buChar char=""/>
-            </a:pPr>
-            <a:r>
-              <a:rPr lang="nl-NL" sz="2000">
-                <a:latin typeface="Arial"/>
-              </a:rPr>
-              <a:t>Fourth Outline Level</a:t>
-            </a:r>
-            <a:endParaRPr/>
-          </a:p>
-          <a:p>
-            <a:pPr lvl="4">
-              <a:buSzPct val="45000"/>
-              <a:buFont typeface="StarSymbol"/>
-              <a:buChar char=""/>
-            </a:pPr>
-            <a:r>
-              <a:rPr lang="nl-NL" sz="2000">
-                <a:latin typeface="Arial"/>
-              </a:rPr>
-              <a:t>Fifth Outline Level</a:t>
-            </a:r>
-            <a:endParaRPr/>
-          </a:p>
-          <a:p>
-            <a:pPr lvl="5">
-              <a:buSzPct val="45000"/>
-              <a:buFont typeface="StarSymbol"/>
-              <a:buChar char=""/>
-            </a:pPr>
-            <a:r>
-              <a:rPr lang="nl-NL" sz="2000">
-                <a:latin typeface="Arial"/>
-              </a:rPr>
-              <a:t>Sixth Outline Level</a:t>
-            </a:r>
-            <a:endParaRPr/>
-          </a:p>
-          <a:p>
-            <a:pPr lvl="6">
-              <a:buSzPct val="45000"/>
-              <a:buFont typeface="StarSymbol"/>
-              <a:buChar char=""/>
-            </a:pPr>
-            <a:r>
-              <a:rPr lang="nl-NL" sz="2000">
-                <a:latin typeface="Arial"/>
-              </a:rPr>
-              <a:t>Seventh Outline Level</a:t>
-            </a:r>
-            <a:endParaRPr/>
-          </a:p>
-        </p:txBody>
-      </p:sp>
-      <p:sp>
-        <p:nvSpPr>
-          <p:cNvPr id="2" name="PlaceHolder 3"/>
-          <p:cNvSpPr>
-            <a:spLocks noGrp="1"/>
-          </p:cNvSpPr>
-          <p:nvPr>
-            <p:ph type="dt"/>
-          </p:nvPr>
-        </p:nvSpPr>
-        <p:spPr>
-          <a:xfrm>
-            <a:off x="504000" y="6887160"/>
-            <a:ext cx="2348280" cy="521280"/>
-          </a:xfrm>
-          <a:prstGeom prst="rect">
-            <a:avLst/>
-          </a:prstGeom>
-        </p:spPr>
-        <p:txBody>
-          <a:bodyPr lIns="0" rIns="0" tIns="0" bIns="0"/>
-          <a:p>
-            <a:r>
-              <a:rPr lang="nl-NL" sz="1400">
-                <a:latin typeface="Times New Roman"/>
-              </a:rPr>
-              <a:t>&lt;date/time&gt;</a:t>
-            </a:r>
-            <a:endParaRPr/>
-          </a:p>
-        </p:txBody>
-      </p:sp>
-      <p:sp>
-        <p:nvSpPr>
-          <p:cNvPr id="3" name="PlaceHolder 4"/>
-          <p:cNvSpPr>
-            <a:spLocks noGrp="1"/>
-          </p:cNvSpPr>
-          <p:nvPr>
-            <p:ph type="ftr"/>
-          </p:nvPr>
-        </p:nvSpPr>
-        <p:spPr>
-          <a:xfrm>
-            <a:off x="3447360" y="6887160"/>
-            <a:ext cx="3195000" cy="521280"/>
-          </a:xfrm>
-          <a:prstGeom prst="rect">
-            <a:avLst/>
-          </a:prstGeom>
-        </p:spPr>
-        <p:txBody>
-          <a:bodyPr lIns="0" rIns="0" tIns="0" bIns="0"/>
-          <a:p>
-            <a:pPr algn="ctr"/>
-            <a:r>
-              <a:rPr lang="nl-NL" sz="1400">
-                <a:latin typeface="Times New Roman"/>
-              </a:rPr>
-              <a:t>&lt;footer&gt;</a:t>
-            </a:r>
-            <a:endParaRPr/>
-          </a:p>
-        </p:txBody>
-      </p:sp>
-      <p:sp>
-        <p:nvSpPr>
-          <p:cNvPr id="4" name="PlaceHolder 5"/>
-          <p:cNvSpPr>
-            <a:spLocks noGrp="1"/>
-          </p:cNvSpPr>
-          <p:nvPr>
-            <p:ph type="sldNum"/>
-          </p:nvPr>
-        </p:nvSpPr>
-        <p:spPr>
-          <a:xfrm>
-            <a:off x="7227360" y="6887160"/>
-            <a:ext cx="2348280" cy="521280"/>
-          </a:xfrm>
-          <a:prstGeom prst="rect">
-            <a:avLst/>
-          </a:prstGeom>
-        </p:spPr>
-        <p:txBody>
-          <a:bodyPr lIns="0" rIns="0" tIns="0" bIns="0"/>
-          <a:p>
-            <a:pPr algn="r"/>
-            <a:fld id="{7D6380C2-5D97-4F0C-8B1D-11834C40B687}" type="slidenum">
-              <a:rPr lang="nl-NL" sz="1400">
-                <a:latin typeface="Times New Roman"/>
-              </a:rPr>
-              <a:t>&lt;number&gt;</a:t>
-            </a:fld>
-            <a:endParaRPr/>
-          </a:p>
-        </p:txBody>
-      </p:sp>
-    </p:spTree>
-  </p:cSld>
-  <p:clrMap bg1="lt1" bg2="lt2" tx1="dk1" tx2="dk2" accent1="accent1" accent2="accent2" accent3="accent3" accent4="accent4" accent5="accent5" accent6="accent6" hlink="hlink" folHlink="folHlink"/>
-  <p:sldLayoutIdLst>
-    <p:sldLayoutId id="2147483649" r:id="rId2"/>
-    <p:sldLayoutId id="2147483650" r:id="rId3"/>
-    <p:sldLayoutId id="2147483651" r:id="rId4"/>
-    <p:sldLayoutId id="2147483652" r:id="rId5"/>
-    <p:sldLayoutId id="2147483653" r:id="rId6"/>
-    <p:sldLayoutId id="2147483654" r:id="rId7"/>
-    <p:sldLayoutId id="2147483655" r:id="rId8"/>
-    <p:sldLayoutId id="2147483656" r:id="rId9"/>
-    <p:sldLayoutId id="2147483657" r:id="rId10"/>
-    <p:sldLayoutId id="2147483658" r:id="rId11"/>
-    <p:sldLayoutId id="2147483659" r:id="rId12"/>
-    <p:sldLayoutId id="2147483660" r:id="rId13"/>
-  </p:sldLayoutIdLst>
-</p:sldMaster>
-</file>
-
-<file path=ppt/slides/slide1.xml><?xml version="1.0" encoding="utf-8"?>
-<p:sld xmlns:a="http://schemas.openxmlformats.org/drawingml/2006/main" xmlns:p="http://schemas.openxmlformats.org/presentationml/2006/main" xmlns:r="http://schemas.openxmlformats.org/officeDocument/2006/relationships">
-  <p:cSld>
-    <p:spTree>
-      <p:nvGrpSpPr>
-        <p:cNvPr id="1" name=""/>
-        <p:cNvGrpSpPr/>
-        <p:nvPr/>
-      </p:nvGrpSpPr>
-      <p:grpSpPr>
-        <a:xfrm>
-          <a:off x="0" y="0"/>
-          <a:ext cx="0" cy="0"/>
-          <a:chOff x="0" y="0"/>
-          <a:chExt cx="0" cy="0"/>
-        </a:xfrm>
-      </p:grpSpPr>
-      <p:sp>
-        <p:nvSpPr>
           <p:cNvPr id="39" name="TextShape 1"/>
           <p:cNvSpPr txBox="1"/>
           <p:nvPr/>
@@ -1492,16 +1670,29 @@
           </a:prstGeom>
         </p:spPr>
         <p:txBody>
-          <a:bodyPr lIns="0" rIns="0" tIns="0" bIns="0" anchor="ctr"/>
+          <a:bodyPr lIns="0" tIns="0" rIns="0" bIns="0" anchor="ctr"/>
+          <a:lstStyle/>
           <a:p>
             <a:pPr algn="ctr"/>
             <a:r>
-              <a:rPr lang="nl-NL" sz="4400">
+              <a:rPr lang="nl-NL" sz="4400" dirty="0" err="1" smtClean="0">
                 <a:latin typeface="Arial"/>
               </a:rPr>
-              <a:t>Valitating HOT</a:t>
+              <a:t>Validating</a:t>
             </a:r>
-            <a:endParaRPr/>
+            <a:r>
+              <a:rPr lang="nl-NL" sz="4400" dirty="0" smtClean="0">
+                <a:latin typeface="Arial"/>
+              </a:rPr>
+              <a:t> </a:t>
+            </a:r>
+            <a:r>
+              <a:rPr lang="nl-NL" sz="4400" dirty="0">
+                <a:latin typeface="Arial"/>
+              </a:rPr>
+              <a:t>HOT</a:t>
+            </a:r>
+            <a:endParaRPr dirty="0"/>
           </a:p>
         </p:txBody>
       </p:sp>
@@ -1521,7 +1712,8 @@
           </a:prstGeom>
         </p:spPr>
         <p:txBody>
-          <a:bodyPr lIns="0" rIns="0" tIns="0" bIns="0" anchor="ctr"/>
+          <a:bodyPr lIns="0" tIns="0" rIns="0" bIns="0" anchor="ctr"/>
+          <a:lstStyle/>
           <a:p>
             <a:pPr algn="ctr"/>
             <a:endParaRPr/>
@@ -1530,6 +1722,9 @@
       </p:sp>
     </p:spTree>
   </p:cSld>
+  <p:clrMapOvr>
+    <a:masterClrMapping/>
+  </p:clrMapOvr>
 </p:sld>
 </file>
 
@@ -1753,5 +1948,7 @@
       </a:bgFillStyleLst>
     </a:fmtScheme>
   </a:themeElements>
+  <a:objectDefaults/>
+  <a:extraClrSchemeLst/>
 </a:theme>
 </file>
--- a/validating_hot.pptx
+++ b/validating_hot.pptx
@@ -1720,6 +1720,36 @@
           </a:p>
         </p:txBody>
       </p:sp>
+      <p:pic>
+        <p:nvPicPr>
+          <p:cNvPr id="5" name="Picture 4" descr="Missing-Maps-logo-png.png"/>
+          <p:cNvPicPr>
+            <a:picLocks noChangeAspect="1"/>
+          </p:cNvPicPr>
+          <p:nvPr/>
+        </p:nvPicPr>
+        <p:blipFill>
+          <a:blip r:embed="rId2">
+            <a:extLst>
+              <a:ext uri="{28A0092B-C50C-407E-A947-70E740481C1C}">
+                <a14:useLocalDpi xmlns:a14="http://schemas.microsoft.com/office/drawing/2010/main" val="0"/>
+              </a:ext>
+            </a:extLst>
+          </a:blip>
+          <a:stretch>
+            <a:fillRect/>
+          </a:stretch>
+        </p:blipFill>
+        <p:spPr>
+          <a:xfrm>
+            <a:off x="0" y="1625600"/>
+            <a:ext cx="10080625" cy="4288485"/>
+          </a:xfrm>
+          <a:prstGeom prst="rect">
+            <a:avLst/>
+          </a:prstGeom>
+        </p:spPr>
+      </p:pic>
     </p:spTree>
   </p:cSld>
   <p:clrMapOvr>

--- a/validating_hot.pptx
+++ b/validating_hot.pptx
@@ -4,8 +4,13 @@
   <p:sldMasterIdLst>
     <p:sldMasterId id="2147483648" r:id="rId1"/>
   </p:sldMasterIdLst>
+  <p:notesMasterIdLst>
+    <p:notesMasterId r:id="rId5"/>
+  </p:notesMasterIdLst>
   <p:sldIdLst>
     <p:sldId id="256" r:id="rId2"/>
+    <p:sldId id="257" r:id="rId3"/>
+    <p:sldId id="258" r:id="rId4"/>
   </p:sldIdLst>
   <p:sldSz cx="10080625" cy="7559675"/>
   <p:notesSz cx="7559675" cy="10691813"/>
@@ -107,6 +112,532 @@
 </p:presentation>
 </file>
 
+<file path=ppt/notesMasters/notesMaster1.xml><?xml version="1.0" encoding="utf-8"?>
+<p:notesMaster xmlns:a="http://schemas.openxmlformats.org/drawingml/2006/main" xmlns:r="http://schemas.openxmlformats.org/officeDocument/2006/relationships" xmlns:p="http://schemas.openxmlformats.org/presentationml/2006/main">
+  <p:cSld>
+    <p:bg>
+      <p:bgRef idx="1001">
+        <a:schemeClr val="bg1"/>
+      </p:bgRef>
+    </p:bg>
+    <p:spTree>
+      <p:nvGrpSpPr>
+        <p:cNvPr id="1" name=""/>
+        <p:cNvGrpSpPr/>
+        <p:nvPr/>
+      </p:nvGrpSpPr>
+      <p:grpSpPr>
+        <a:xfrm>
+          <a:off x="0" y="0"/>
+          <a:ext cx="0" cy="0"/>
+          <a:chOff x="0" y="0"/>
+          <a:chExt cx="0" cy="0"/>
+        </a:xfrm>
+      </p:grpSpPr>
+      <p:sp>
+        <p:nvSpPr>
+          <p:cNvPr id="2" name="Header Placeholder 1"/>
+          <p:cNvSpPr>
+            <a:spLocks noGrp="1"/>
+          </p:cNvSpPr>
+          <p:nvPr>
+            <p:ph type="hdr" sz="quarter"/>
+          </p:nvPr>
+        </p:nvSpPr>
+        <p:spPr>
+          <a:xfrm>
+            <a:off x="0" y="0"/>
+            <a:ext cx="3276600" cy="534988"/>
+          </a:xfrm>
+          <a:prstGeom prst="rect">
+            <a:avLst/>
+          </a:prstGeom>
+        </p:spPr>
+        <p:txBody>
+          <a:bodyPr vert="horz" lIns="91440" tIns="45720" rIns="91440" bIns="45720" rtlCol="0"/>
+          <a:lstStyle>
+            <a:lvl1pPr algn="l">
+              <a:defRPr sz="1200"/>
+            </a:lvl1pPr>
+          </a:lstStyle>
+          <a:p>
+            <a:endParaRPr lang="en-US"/>
+          </a:p>
+        </p:txBody>
+      </p:sp>
+      <p:sp>
+        <p:nvSpPr>
+          <p:cNvPr id="3" name="Date Placeholder 2"/>
+          <p:cNvSpPr>
+            <a:spLocks noGrp="1"/>
+          </p:cNvSpPr>
+          <p:nvPr>
+            <p:ph type="dt" idx="1"/>
+          </p:nvPr>
+        </p:nvSpPr>
+        <p:spPr>
+          <a:xfrm>
+            <a:off x="4281488" y="0"/>
+            <a:ext cx="3276600" cy="534988"/>
+          </a:xfrm>
+          <a:prstGeom prst="rect">
+            <a:avLst/>
+          </a:prstGeom>
+        </p:spPr>
+        <p:txBody>
+          <a:bodyPr vert="horz" lIns="91440" tIns="45720" rIns="91440" bIns="45720" rtlCol="0"/>
+          <a:lstStyle>
+            <a:lvl1pPr algn="r">
+              <a:defRPr sz="1200"/>
+            </a:lvl1pPr>
+          </a:lstStyle>
+          <a:p>
+            <a:fld id="{0071AD83-7A1D-4544-8721-9F02632C9646}" type="datetimeFigureOut">
+              <a:rPr lang="en-US" smtClean="0"/>
+              <a:t>160712</a:t>
+            </a:fld>
+            <a:endParaRPr lang="en-US"/>
+          </a:p>
+        </p:txBody>
+      </p:sp>
+      <p:sp>
+        <p:nvSpPr>
+          <p:cNvPr id="4" name="Slide Image Placeholder 3"/>
+          <p:cNvSpPr>
+            <a:spLocks noGrp="1" noRot="1" noChangeAspect="1"/>
+          </p:cNvSpPr>
+          <p:nvPr>
+            <p:ph type="sldImg" idx="2"/>
+          </p:nvPr>
+        </p:nvSpPr>
+        <p:spPr>
+          <a:xfrm>
+            <a:off x="1106488" y="801688"/>
+            <a:ext cx="5346700" cy="4010025"/>
+          </a:xfrm>
+          <a:prstGeom prst="rect">
+            <a:avLst/>
+          </a:prstGeom>
+          <a:noFill/>
+          <a:ln w="12700">
+            <a:solidFill>
+              <a:prstClr val="black"/>
+            </a:solidFill>
+          </a:ln>
+        </p:spPr>
+        <p:txBody>
+          <a:bodyPr vert="horz" lIns="91440" tIns="45720" rIns="91440" bIns="45720" rtlCol="0" anchor="ctr"/>
+          <a:lstStyle/>
+          <a:p>
+            <a:endParaRPr lang="en-US"/>
+          </a:p>
+        </p:txBody>
+      </p:sp>
+      <p:sp>
+        <p:nvSpPr>
+          <p:cNvPr id="5" name="Notes Placeholder 4"/>
+          <p:cNvSpPr>
+            <a:spLocks noGrp="1"/>
+          </p:cNvSpPr>
+          <p:nvPr>
+            <p:ph type="body" sz="quarter" idx="3"/>
+          </p:nvPr>
+        </p:nvSpPr>
+        <p:spPr>
+          <a:xfrm>
+            <a:off x="755650" y="5078413"/>
+            <a:ext cx="6048375" cy="4811712"/>
+          </a:xfrm>
+          <a:prstGeom prst="rect">
+            <a:avLst/>
+          </a:prstGeom>
+        </p:spPr>
+        <p:txBody>
+          <a:bodyPr vert="horz" lIns="91440" tIns="45720" rIns="91440" bIns="45720" rtlCol="0"/>
+          <a:lstStyle/>
+          <a:p>
+            <a:pPr lvl="0"/>
+            <a:r>
+              <a:rPr lang="nl-NL" smtClean="0"/>
+              <a:t>Click to edit Master text styles</a:t>
+            </a:r>
+          </a:p>
+          <a:p>
+            <a:pPr lvl="1"/>
+            <a:r>
+              <a:rPr lang="nl-NL" smtClean="0"/>
+              <a:t>Second level</a:t>
+            </a:r>
+          </a:p>
+          <a:p>
+            <a:pPr lvl="2"/>
+            <a:r>
+              <a:rPr lang="nl-NL" smtClean="0"/>
+              <a:t>Third level</a:t>
+            </a:r>
+          </a:p>
+          <a:p>
+            <a:pPr lvl="3"/>
+            <a:r>
+              <a:rPr lang="nl-NL" smtClean="0"/>
+              <a:t>Fourth level</a:t>
+            </a:r>
+          </a:p>
+          <a:p>
+            <a:pPr lvl="4"/>
+            <a:r>
+              <a:rPr lang="nl-NL" smtClean="0"/>
+              <a:t>Fifth level</a:t>
+            </a:r>
+            <a:endParaRPr lang="en-US"/>
+          </a:p>
+        </p:txBody>
+      </p:sp>
+      <p:sp>
+        <p:nvSpPr>
+          <p:cNvPr id="6" name="Footer Placeholder 5"/>
+          <p:cNvSpPr>
+            <a:spLocks noGrp="1"/>
+          </p:cNvSpPr>
+          <p:nvPr>
+            <p:ph type="ftr" sz="quarter" idx="4"/>
+          </p:nvPr>
+        </p:nvSpPr>
+        <p:spPr>
+          <a:xfrm>
+            <a:off x="0" y="10155238"/>
+            <a:ext cx="3276600" cy="534987"/>
+          </a:xfrm>
+          <a:prstGeom prst="rect">
+            <a:avLst/>
+          </a:prstGeom>
+        </p:spPr>
+        <p:txBody>
+          <a:bodyPr vert="horz" lIns="91440" tIns="45720" rIns="91440" bIns="45720" rtlCol="0" anchor="b"/>
+          <a:lstStyle>
+            <a:lvl1pPr algn="l">
+              <a:defRPr sz="1200"/>
+            </a:lvl1pPr>
+          </a:lstStyle>
+          <a:p>
+            <a:endParaRPr lang="en-US"/>
+          </a:p>
+        </p:txBody>
+      </p:sp>
+      <p:sp>
+        <p:nvSpPr>
+          <p:cNvPr id="7" name="Slide Number Placeholder 6"/>
+          <p:cNvSpPr>
+            <a:spLocks noGrp="1"/>
+          </p:cNvSpPr>
+          <p:nvPr>
+            <p:ph type="sldNum" sz="quarter" idx="5"/>
+          </p:nvPr>
+        </p:nvSpPr>
+        <p:spPr>
+          <a:xfrm>
+            <a:off x="4281488" y="10155238"/>
+            <a:ext cx="3276600" cy="534987"/>
+          </a:xfrm>
+          <a:prstGeom prst="rect">
+            <a:avLst/>
+          </a:prstGeom>
+        </p:spPr>
+        <p:txBody>
+          <a:bodyPr vert="horz" lIns="91440" tIns="45720" rIns="91440" bIns="45720" rtlCol="0" anchor="b"/>
+          <a:lstStyle>
+            <a:lvl1pPr algn="r">
+              <a:defRPr sz="1200"/>
+            </a:lvl1pPr>
+          </a:lstStyle>
+          <a:p>
+            <a:fld id="{EA116C3A-2DE5-4B4E-88DE-ECCC272976D0}" type="slidenum">
+              <a:rPr lang="en-US" smtClean="0"/>
+              <a:t>‹#›</a:t>
+            </a:fld>
+            <a:endParaRPr lang="en-US"/>
+          </a:p>
+        </p:txBody>
+      </p:sp>
+    </p:spTree>
+    <p:extLst>
+      <p:ext uri="{BB962C8B-B14F-4D97-AF65-F5344CB8AC3E}">
+        <p14:creationId xmlns:p14="http://schemas.microsoft.com/office/powerpoint/2010/main" val="275362588"/>
+      </p:ext>
+    </p:extLst>
+  </p:cSld>
+  <p:clrMap bg1="lt1" tx1="dk1" bg2="lt2" tx2="dk2" accent1="accent1" accent2="accent2" accent3="accent3" accent4="accent4" accent5="accent5" accent6="accent6" hlink="hlink" folHlink="folHlink"/>
+  <p:notesStyle>
+    <a:lvl1pPr marL="0" algn="l" defTabSz="457200" rtl="0" eaLnBrk="1" latinLnBrk="0" hangingPunct="1">
+      <a:defRPr sz="1200" kern="1200">
+        <a:solidFill>
+          <a:schemeClr val="tx1"/>
+        </a:solidFill>
+        <a:latin typeface="+mn-lt"/>
+        <a:ea typeface="+mn-ea"/>
+        <a:cs typeface="+mn-cs"/>
+      </a:defRPr>
+    </a:lvl1pPr>
+    <a:lvl2pPr marL="457200" algn="l" defTabSz="457200" rtl="0" eaLnBrk="1" latinLnBrk="0" hangingPunct="1">
+      <a:defRPr sz="1200" kern="1200">
+        <a:solidFill>
+          <a:schemeClr val="tx1"/>
+        </a:solidFill>
+        <a:latin typeface="+mn-lt"/>
+        <a:ea typeface="+mn-ea"/>
+        <a:cs typeface="+mn-cs"/>
+      </a:defRPr>
+    </a:lvl2pPr>
+    <a:lvl3pPr marL="914400" algn="l" defTabSz="457200" rtl="0" eaLnBrk="1" latinLnBrk="0" hangingPunct="1">
+      <a:defRPr sz="1200" kern="1200">
+        <a:solidFill>
+          <a:schemeClr val="tx1"/>
+        </a:solidFill>
+        <a:latin typeface="+mn-lt"/>
+        <a:ea typeface="+mn-ea"/>
+        <a:cs typeface="+mn-cs"/>
+      </a:defRPr>
+    </a:lvl3pPr>
+    <a:lvl4pPr marL="1371600" algn="l" defTabSz="457200" rtl="0" eaLnBrk="1" latinLnBrk="0" hangingPunct="1">
+      <a:defRPr sz="1200" kern="1200">
+        <a:solidFill>
+          <a:schemeClr val="tx1"/>
+        </a:solidFill>
+        <a:latin typeface="+mn-lt"/>
+        <a:ea typeface="+mn-ea"/>
+        <a:cs typeface="+mn-cs"/>
+      </a:defRPr>
+    </a:lvl4pPr>
+    <a:lvl5pPr marL="1828800" algn="l" defTabSz="457200" rtl="0" eaLnBrk="1" latinLnBrk="0" hangingPunct="1">
+      <a:defRPr sz="1200" kern="1200">
+        <a:solidFill>
+          <a:schemeClr val="tx1"/>
+        </a:solidFill>
+        <a:latin typeface="+mn-lt"/>
+        <a:ea typeface="+mn-ea"/>
+        <a:cs typeface="+mn-cs"/>
+      </a:defRPr>
+    </a:lvl5pPr>
+    <a:lvl6pPr marL="2286000" algn="l" defTabSz="457200" rtl="0" eaLnBrk="1" latinLnBrk="0" hangingPunct="1">
+      <a:defRPr sz="1200" kern="1200">
+        <a:solidFill>
+          <a:schemeClr val="tx1"/>
+        </a:solidFill>
+        <a:latin typeface="+mn-lt"/>
+        <a:ea typeface="+mn-ea"/>
+        <a:cs typeface="+mn-cs"/>
+      </a:defRPr>
+    </a:lvl6pPr>
+    <a:lvl7pPr marL="2743200" algn="l" defTabSz="457200" rtl="0" eaLnBrk="1" latinLnBrk="0" hangingPunct="1">
+      <a:defRPr sz="1200" kern="1200">
+        <a:solidFill>
+          <a:schemeClr val="tx1"/>
+        </a:solidFill>
+        <a:latin typeface="+mn-lt"/>
+        <a:ea typeface="+mn-ea"/>
+        <a:cs typeface="+mn-cs"/>
+      </a:defRPr>
+    </a:lvl7pPr>
+    <a:lvl8pPr marL="3200400" algn="l" defTabSz="457200" rtl="0" eaLnBrk="1" latinLnBrk="0" hangingPunct="1">
+      <a:defRPr sz="1200" kern="1200">
+        <a:solidFill>
+          <a:schemeClr val="tx1"/>
+        </a:solidFill>
+        <a:latin typeface="+mn-lt"/>
+        <a:ea typeface="+mn-ea"/>
+        <a:cs typeface="+mn-cs"/>
+      </a:defRPr>
+    </a:lvl8pPr>
+    <a:lvl9pPr marL="3657600" algn="l" defTabSz="457200" rtl="0" eaLnBrk="1" latinLnBrk="0" hangingPunct="1">
+      <a:defRPr sz="1200" kern="1200">
+        <a:solidFill>
+          <a:schemeClr val="tx1"/>
+        </a:solidFill>
+        <a:latin typeface="+mn-lt"/>
+        <a:ea typeface="+mn-ea"/>
+        <a:cs typeface="+mn-cs"/>
+      </a:defRPr>
+    </a:lvl9pPr>
+  </p:notesStyle>
+</p:notesMaster>
+</file>
+
+<file path=ppt/notesSlides/notesSlide1.xml><?xml version="1.0" encoding="utf-8"?>
+<p:notes xmlns:a="http://schemas.openxmlformats.org/drawingml/2006/main" xmlns:r="http://schemas.openxmlformats.org/officeDocument/2006/relationships" xmlns:p="http://schemas.openxmlformats.org/presentationml/2006/main">
+  <p:cSld>
+    <p:spTree>
+      <p:nvGrpSpPr>
+        <p:cNvPr id="1" name=""/>
+        <p:cNvGrpSpPr/>
+        <p:nvPr/>
+      </p:nvGrpSpPr>
+      <p:grpSpPr>
+        <a:xfrm>
+          <a:off x="0" y="0"/>
+          <a:ext cx="0" cy="0"/>
+          <a:chOff x="0" y="0"/>
+          <a:chExt cx="0" cy="0"/>
+        </a:xfrm>
+      </p:grpSpPr>
+      <p:sp>
+        <p:nvSpPr>
+          <p:cNvPr id="2" name="Slide Image Placeholder 1"/>
+          <p:cNvSpPr>
+            <a:spLocks noGrp="1" noRot="1" noChangeAspect="1"/>
+          </p:cNvSpPr>
+          <p:nvPr>
+            <p:ph type="sldImg"/>
+          </p:nvPr>
+        </p:nvSpPr>
+        <p:spPr/>
+      </p:sp>
+      <p:sp>
+        <p:nvSpPr>
+          <p:cNvPr id="3" name="Notes Placeholder 2"/>
+          <p:cNvSpPr>
+            <a:spLocks noGrp="1"/>
+          </p:cNvSpPr>
+          <p:nvPr>
+            <p:ph type="body" idx="1"/>
+          </p:nvPr>
+        </p:nvSpPr>
+        <p:spPr/>
+        <p:txBody>
+          <a:bodyPr/>
+          <a:lstStyle/>
+          <a:p>
+            <a:endParaRPr lang="en-US" dirty="0"/>
+          </a:p>
+        </p:txBody>
+      </p:sp>
+      <p:sp>
+        <p:nvSpPr>
+          <p:cNvPr id="4" name="Slide Number Placeholder 3"/>
+          <p:cNvSpPr>
+            <a:spLocks noGrp="1"/>
+          </p:cNvSpPr>
+          <p:nvPr>
+            <p:ph type="sldNum" sz="quarter" idx="10"/>
+          </p:nvPr>
+        </p:nvSpPr>
+        <p:spPr/>
+        <p:txBody>
+          <a:bodyPr/>
+          <a:lstStyle/>
+          <a:p>
+            <a:fld id="{EA116C3A-2DE5-4B4E-88DE-ECCC272976D0}" type="slidenum">
+              <a:rPr lang="en-US" smtClean="0"/>
+              <a:t>1</a:t>
+            </a:fld>
+            <a:endParaRPr lang="en-US"/>
+          </a:p>
+        </p:txBody>
+      </p:sp>
+    </p:spTree>
+    <p:extLst>
+      <p:ext uri="{BB962C8B-B14F-4D97-AF65-F5344CB8AC3E}">
+        <p14:creationId xmlns:p14="http://schemas.microsoft.com/office/powerpoint/2010/main" val="3146778692"/>
+      </p:ext>
+    </p:extLst>
+  </p:cSld>
+  <p:clrMapOvr>
+    <a:masterClrMapping/>
+  </p:clrMapOvr>
+</p:notes>
+</file>
+
+<file path=ppt/notesSlides/notesSlide2.xml><?xml version="1.0" encoding="utf-8"?>
+<p:notes xmlns:a="http://schemas.openxmlformats.org/drawingml/2006/main" xmlns:r="http://schemas.openxmlformats.org/officeDocument/2006/relationships" xmlns:p="http://schemas.openxmlformats.org/presentationml/2006/main">
+  <p:cSld>
+    <p:spTree>
+      <p:nvGrpSpPr>
+        <p:cNvPr id="1" name=""/>
+        <p:cNvGrpSpPr/>
+        <p:nvPr/>
+      </p:nvGrpSpPr>
+      <p:grpSpPr>
+        <a:xfrm>
+          <a:off x="0" y="0"/>
+          <a:ext cx="0" cy="0"/>
+          <a:chOff x="0" y="0"/>
+          <a:chExt cx="0" cy="0"/>
+        </a:xfrm>
+      </p:grpSpPr>
+      <p:sp>
+        <p:nvSpPr>
+          <p:cNvPr id="2" name="Slide Image Placeholder 1"/>
+          <p:cNvSpPr>
+            <a:spLocks noGrp="1" noRot="1" noChangeAspect="1"/>
+          </p:cNvSpPr>
+          <p:nvPr>
+            <p:ph type="sldImg"/>
+          </p:nvPr>
+        </p:nvSpPr>
+        <p:spPr/>
+      </p:sp>
+      <p:sp>
+        <p:nvSpPr>
+          <p:cNvPr id="3" name="Notes Placeholder 2"/>
+          <p:cNvSpPr>
+            <a:spLocks noGrp="1"/>
+          </p:cNvSpPr>
+          <p:nvPr>
+            <p:ph type="body" idx="1"/>
+          </p:nvPr>
+        </p:nvSpPr>
+        <p:spPr/>
+        <p:txBody>
+          <a:bodyPr/>
+          <a:lstStyle/>
+          <a:p>
+            <a:r>
+              <a:rPr lang="en-US" dirty="0" err="1" smtClean="0"/>
+              <a:t>objecttypes</a:t>
+            </a:r>
+            <a:r>
+              <a:rPr lang="en-US" dirty="0" smtClean="0"/>
+              <a:t> </a:t>
+            </a:r>
+            <a:endParaRPr lang="en-US" dirty="0"/>
+          </a:p>
+        </p:txBody>
+      </p:sp>
+      <p:sp>
+        <p:nvSpPr>
+          <p:cNvPr id="4" name="Slide Number Placeholder 3"/>
+          <p:cNvSpPr>
+            <a:spLocks noGrp="1"/>
+          </p:cNvSpPr>
+          <p:nvPr>
+            <p:ph type="sldNum" sz="quarter" idx="10"/>
+          </p:nvPr>
+        </p:nvSpPr>
+        <p:spPr/>
+        <p:txBody>
+          <a:bodyPr/>
+          <a:lstStyle/>
+          <a:p>
+            <a:fld id="{EA116C3A-2DE5-4B4E-88DE-ECCC272976D0}" type="slidenum">
+              <a:rPr lang="en-US" smtClean="0"/>
+              <a:t>3</a:t>
+            </a:fld>
+            <a:endParaRPr lang="en-US"/>
+          </a:p>
+        </p:txBody>
+      </p:sp>
+    </p:spTree>
+    <p:extLst>
+      <p:ext uri="{BB962C8B-B14F-4D97-AF65-F5344CB8AC3E}">
+        <p14:creationId xmlns:p14="http://schemas.microsoft.com/office/powerpoint/2010/main" val="2137426239"/>
+      </p:ext>
+    </p:extLst>
+  </p:cSld>
+  <p:clrMapOvr>
+    <a:masterClrMapping/>
+  </p:clrMapOvr>
+</p:notes>
+</file>
+
 <file path=ppt/slideLayouts/slideLayout1.xml><?xml version="1.0" encoding="utf-8"?>
 <p:sldLayout xmlns:a="http://schemas.openxmlformats.org/drawingml/2006/main" xmlns:r="http://schemas.openxmlformats.org/officeDocument/2006/relationships" xmlns:p="http://schemas.openxmlformats.org/presentationml/2006/main" type="blank" preserve="1">
   <p:cSld name="Blank Slide">
@@ -1687,7 +2218,7 @@
               <a:t> </a:t>
             </a:r>
             <a:r>
-              <a:rPr lang="nl-NL" sz="4400" dirty="0">
+              <a:rPr lang="nl-NL" sz="4400" dirty="0" smtClean="0">
                 <a:latin typeface="Arial"/>
               </a:rPr>
               <a:t>HOT</a:t>
@@ -1729,7 +2260,7 @@
           <p:nvPr/>
         </p:nvPicPr>
         <p:blipFill>
-          <a:blip r:embed="rId2">
+          <a:blip r:embed="rId3">
             <a:extLst>
               <a:ext uri="{28A0092B-C50C-407E-A947-70E740481C1C}">
                 <a14:useLocalDpi xmlns:a14="http://schemas.microsoft.com/office/drawing/2010/main" val="0"/>
@@ -1742,15 +2273,609 @@
         </p:blipFill>
         <p:spPr>
           <a:xfrm>
-            <a:off x="0" y="1625600"/>
-            <a:ext cx="10080625" cy="4288485"/>
+            <a:off x="0" y="1420932"/>
+            <a:ext cx="3792361" cy="1613341"/>
           </a:xfrm>
           <a:prstGeom prst="rect">
             <a:avLst/>
           </a:prstGeom>
         </p:spPr>
       </p:pic>
+      <p:sp>
+        <p:nvSpPr>
+          <p:cNvPr id="2" name="TextBox 1"/>
+          <p:cNvSpPr txBox="1"/>
+          <p:nvPr/>
+        </p:nvSpPr>
+        <p:spPr>
+          <a:xfrm>
+            <a:off x="2116667" y="3209941"/>
+            <a:ext cx="6208889" cy="4524316"/>
+          </a:xfrm>
+          <a:prstGeom prst="rect">
+            <a:avLst/>
+          </a:prstGeom>
+          <a:noFill/>
+        </p:spPr>
+        <p:txBody>
+          <a:bodyPr wrap="square" rtlCol="0">
+            <a:spAutoFit/>
+          </a:bodyPr>
+          <a:lstStyle/>
+          <a:p>
+            <a:pPr marL="342900" indent="-342900">
+              <a:buFont typeface="+mj-lt"/>
+              <a:buAutoNum type="arabicPeriod"/>
+            </a:pPr>
+            <a:r>
+              <a:rPr lang="en-US" dirty="0" smtClean="0"/>
+              <a:t>Start:</a:t>
+            </a:r>
+          </a:p>
+          <a:p>
+            <a:pPr marL="800100" lvl="1" indent="-342900">
+              <a:buFont typeface="+mj-lt"/>
+              <a:buAutoNum type="arabicPeriod"/>
+            </a:pPr>
+            <a:r>
+              <a:rPr lang="en-US" dirty="0" smtClean="0"/>
+              <a:t>Start JOSM (with remote control turned on)</a:t>
+            </a:r>
+          </a:p>
+          <a:p>
+            <a:pPr marL="800100" lvl="1" indent="-342900">
+              <a:buFont typeface="+mj-lt"/>
+              <a:buAutoNum type="arabicPeriod"/>
+            </a:pPr>
+            <a:r>
+              <a:rPr lang="en-US" dirty="0" smtClean="0"/>
+              <a:t>Open in browser: </a:t>
+            </a:r>
+            <a:r>
+              <a:rPr lang="en-US" dirty="0" smtClean="0">
+                <a:hlinkClick r:id="rId4"/>
+              </a:rPr>
+              <a:t>tasks.hotosm.org </a:t>
+            </a:r>
+            <a:endParaRPr lang="en-US" dirty="0" smtClean="0"/>
+          </a:p>
+          <a:p>
+            <a:pPr marL="800100" lvl="1" indent="-342900">
+              <a:buFont typeface="+mj-lt"/>
+              <a:buAutoNum type="arabicPeriod"/>
+            </a:pPr>
+            <a:r>
+              <a:rPr lang="en-US" dirty="0" smtClean="0"/>
+              <a:t>Choose project &gt; “number”  </a:t>
+            </a:r>
+          </a:p>
+          <a:p>
+            <a:pPr marL="800100" lvl="1" indent="-342900">
+              <a:buFont typeface="+mj-lt"/>
+              <a:buAutoNum type="arabicPeriod"/>
+            </a:pPr>
+            <a:r>
+              <a:rPr lang="en-US" dirty="0" smtClean="0"/>
+              <a:t>Read the Instruction, especially “task” and “validation”</a:t>
+            </a:r>
+          </a:p>
+          <a:p>
+            <a:pPr marL="800100" lvl="1" indent="-342900">
+              <a:buFont typeface="+mj-lt"/>
+              <a:buAutoNum type="arabicPeriod"/>
+            </a:pPr>
+            <a:r>
+              <a:rPr lang="en-US" dirty="0" smtClean="0"/>
+              <a:t>Contribute: </a:t>
+            </a:r>
+          </a:p>
+          <a:p>
+            <a:pPr marL="800100" lvl="1" indent="-342900">
+              <a:buFont typeface="+mj-lt"/>
+              <a:buAutoNum type="arabicPeriod"/>
+            </a:pPr>
+            <a:r>
+              <a:rPr lang="en-US" dirty="0" smtClean="0"/>
+              <a:t>Choose task to validate (yellow tile) </a:t>
+            </a:r>
+          </a:p>
+          <a:p>
+            <a:pPr marL="800100" lvl="1" indent="-342900">
+              <a:buFont typeface="+mj-lt"/>
+              <a:buAutoNum type="arabicPeriod"/>
+            </a:pPr>
+            <a:r>
+              <a:rPr lang="en-US" dirty="0" smtClean="0"/>
+              <a:t>&gt; review the work</a:t>
+            </a:r>
+          </a:p>
+          <a:p>
+            <a:pPr marL="800100" lvl="1" indent="-342900">
+              <a:buFont typeface="+mj-lt"/>
+              <a:buAutoNum type="arabicPeriod"/>
+            </a:pPr>
+            <a:r>
+              <a:rPr lang="en-US" dirty="0" smtClean="0"/>
+              <a:t>&gt; edit with JOSM</a:t>
+            </a:r>
+          </a:p>
+          <a:p>
+            <a:pPr marL="800100" lvl="1" indent="-342900">
+              <a:buFont typeface="+mj-lt"/>
+              <a:buAutoNum type="arabicPeriod"/>
+            </a:pPr>
+            <a:r>
+              <a:rPr lang="en-US" dirty="0" smtClean="0"/>
+              <a:t>Go to JOSM</a:t>
+            </a:r>
+          </a:p>
+          <a:p>
+            <a:pPr lvl="1"/>
+            <a:endParaRPr lang="en-US" dirty="0" smtClean="0"/>
+          </a:p>
+          <a:p>
+            <a:pPr marL="342900" indent="-342900">
+              <a:buFont typeface="+mj-lt"/>
+              <a:buAutoNum type="arabicPeriod"/>
+            </a:pPr>
+            <a:endParaRPr lang="en-US" dirty="0"/>
+          </a:p>
+          <a:p>
+            <a:pPr marL="342900" indent="-342900">
+              <a:buFont typeface="+mj-lt"/>
+              <a:buAutoNum type="arabicPeriod"/>
+            </a:pPr>
+            <a:endParaRPr lang="en-US" dirty="0" smtClean="0"/>
+          </a:p>
+          <a:p>
+            <a:pPr marL="342900" indent="-342900">
+              <a:buFont typeface="+mj-lt"/>
+              <a:buAutoNum type="arabicPeriod"/>
+            </a:pPr>
+            <a:endParaRPr lang="en-US" dirty="0" smtClean="0"/>
+          </a:p>
+          <a:p>
+            <a:pPr marL="342900" indent="-342900">
+              <a:buFont typeface="+mj-lt"/>
+              <a:buAutoNum type="arabicPeriod"/>
+            </a:pPr>
+            <a:endParaRPr lang="en-US" dirty="0"/>
+          </a:p>
+        </p:txBody>
+      </p:sp>
     </p:spTree>
+  </p:cSld>
+  <p:clrMapOvr>
+    <a:masterClrMapping/>
+  </p:clrMapOvr>
+</p:sld>
+</file>
+
+<file path=ppt/slides/slide2.xml><?xml version="1.0" encoding="utf-8"?>
+<p:sld xmlns:a="http://schemas.openxmlformats.org/drawingml/2006/main" xmlns:r="http://schemas.openxmlformats.org/officeDocument/2006/relationships" xmlns:p="http://schemas.openxmlformats.org/presentationml/2006/main">
+  <p:cSld>
+    <p:spTree>
+      <p:nvGrpSpPr>
+        <p:cNvPr id="1" name=""/>
+        <p:cNvGrpSpPr/>
+        <p:nvPr/>
+      </p:nvGrpSpPr>
+      <p:grpSpPr>
+        <a:xfrm>
+          <a:off x="0" y="0"/>
+          <a:ext cx="0" cy="0"/>
+          <a:chOff x="0" y="0"/>
+          <a:chExt cx="0" cy="0"/>
+        </a:xfrm>
+      </p:grpSpPr>
+      <p:sp>
+        <p:nvSpPr>
+          <p:cNvPr id="2" name="Title 1"/>
+          <p:cNvSpPr>
+            <a:spLocks noGrp="1"/>
+          </p:cNvSpPr>
+          <p:nvPr>
+            <p:ph type="title"/>
+          </p:nvPr>
+        </p:nvSpPr>
+        <p:spPr>
+          <a:xfrm>
+            <a:off x="504000" y="301320"/>
+            <a:ext cx="9071640" cy="897999"/>
+          </a:xfrm>
+        </p:spPr>
+        <p:txBody>
+          <a:bodyPr/>
+          <a:lstStyle/>
+          <a:p>
+            <a:endParaRPr lang="en-US" dirty="0"/>
+          </a:p>
+        </p:txBody>
+      </p:sp>
+      <p:sp>
+        <p:nvSpPr>
+          <p:cNvPr id="3" name="Subtitle 2"/>
+          <p:cNvSpPr>
+            <a:spLocks noGrp="1"/>
+          </p:cNvSpPr>
+          <p:nvPr>
+            <p:ph type="subTitle"/>
+          </p:nvPr>
+        </p:nvSpPr>
+        <p:spPr>
+          <a:xfrm>
+            <a:off x="504000" y="1769040"/>
+            <a:ext cx="9071640" cy="5003582"/>
+          </a:xfrm>
+        </p:spPr>
+        <p:txBody>
+          <a:bodyPr/>
+          <a:lstStyle/>
+          <a:p>
+            <a:pPr marL="342900" indent="-342900">
+              <a:buFont typeface="+mj-lt"/>
+              <a:buAutoNum type="arabicPeriod"/>
+            </a:pPr>
+            <a:r>
+              <a:rPr lang="en-US" dirty="0" smtClean="0"/>
+              <a:t>Add imagery: Bing, or other imagery if Bing has clouds</a:t>
+            </a:r>
+          </a:p>
+          <a:p>
+            <a:pPr marL="342900" lvl="2" indent="-342900">
+              <a:buFont typeface="+mj-lt"/>
+              <a:buAutoNum type="arabicPeriod" startAt="2"/>
+            </a:pPr>
+            <a:r>
+              <a:rPr lang="en-US" dirty="0" smtClean="0"/>
+              <a:t>Adjust offset. I</a:t>
+            </a:r>
+            <a:r>
+              <a:rPr lang="en-US" dirty="0" smtClean="0"/>
+              <a:t>n </a:t>
+            </a:r>
+            <a:r>
+              <a:rPr lang="en-US" dirty="0" err="1" smtClean="0"/>
+              <a:t>tasks.hotosm.org</a:t>
+            </a:r>
+            <a:r>
+              <a:rPr lang="en-US" dirty="0" smtClean="0"/>
+              <a:t> </a:t>
+            </a:r>
+            <a:r>
+              <a:rPr lang="en-US" dirty="0" smtClean="0"/>
+              <a:t> / instructions &gt;  adjust imagery offset” you find the values for X and Y). When you  BING imagery no offset required.</a:t>
+            </a:r>
+            <a:endParaRPr lang="en-US" dirty="0"/>
+          </a:p>
+          <a:p>
+            <a:pPr marL="342900" lvl="2" indent="-342900">
+              <a:buFont typeface="+mj-lt"/>
+              <a:buAutoNum type="arabicPeriod" startAt="2"/>
+            </a:pPr>
+            <a:r>
+              <a:rPr lang="en-US" dirty="0" smtClean="0"/>
+              <a:t>Check correct use of offset. It can happen that for a part of the tile the wrong offset has been used.</a:t>
+            </a:r>
+          </a:p>
+          <a:p>
+            <a:pPr lvl="1"/>
+            <a:endParaRPr lang="en-US" dirty="0"/>
+          </a:p>
+          <a:p>
+            <a:pPr lvl="1"/>
+            <a:r>
+              <a:rPr lang="en-US" dirty="0" smtClean="0"/>
+              <a:t>Visual check:</a:t>
+            </a:r>
+            <a:endParaRPr lang="en-US" dirty="0"/>
+          </a:p>
+          <a:p>
+            <a:pPr marL="342900" lvl="2" indent="-342900">
+              <a:buAutoNum type="arabicPeriod"/>
+            </a:pPr>
+            <a:r>
+              <a:rPr lang="en-US" dirty="0" smtClean="0"/>
+              <a:t>Total check: if less than 90% is mapped, than continue validating, else disapprove with comment “not finished”.</a:t>
+            </a:r>
+          </a:p>
+          <a:p>
+            <a:pPr marL="342900" lvl="2" indent="-342900">
+              <a:buAutoNum type="arabicPeriod"/>
+            </a:pPr>
+            <a:r>
+              <a:rPr lang="en-US" dirty="0" smtClean="0"/>
+              <a:t>Sometimes (often) there are clouds and no other source is available, so a part cannot be mapped. Continue validating for the visual part. Mention this in the comment when you mark the tile as validated.</a:t>
+            </a:r>
+          </a:p>
+          <a:p>
+            <a:pPr marL="342900" lvl="2" indent="-342900">
+              <a:buAutoNum type="arabicPeriod"/>
+            </a:pPr>
+            <a:r>
+              <a:rPr lang="en-US" dirty="0" smtClean="0"/>
+              <a:t>If everything or a part is rubbish and correction is more work than a complete new mapping of all objects: delete all or a part of the rubbish. And then invalidate the tile.</a:t>
+            </a:r>
+          </a:p>
+          <a:p>
+            <a:pPr marL="342900" lvl="2" indent="-342900">
+              <a:buAutoNum type="arabicPeriod"/>
+            </a:pPr>
+            <a:r>
+              <a:rPr lang="en-US" dirty="0" smtClean="0"/>
+              <a:t>Zoom in and do a visual check on </a:t>
+            </a:r>
+            <a:r>
+              <a:rPr lang="en-US" dirty="0" smtClean="0"/>
+              <a:t>missing objects. Add buildings, roads etc. if necessary, depending on time and importance. Do not expect you map 100%!</a:t>
+            </a:r>
+          </a:p>
+          <a:p>
+            <a:pPr marL="342900" lvl="2" indent="-342900">
+              <a:buAutoNum type="arabicPeriod"/>
+            </a:pPr>
+            <a:r>
+              <a:rPr lang="en-US" dirty="0" smtClean="0"/>
+              <a:t>Square buildings. When there a lot of buildings to be squared, you can do it all at once. Go to selection box, select buildings=*. Then square the buildings (shortcut “S”).</a:t>
+            </a:r>
+          </a:p>
+          <a:p>
+            <a:pPr lvl="2"/>
+            <a:endParaRPr lang="en-US" dirty="0"/>
+          </a:p>
+          <a:p>
+            <a:pPr lvl="2"/>
+            <a:endParaRPr lang="en-US" dirty="0" smtClean="0"/>
+          </a:p>
+          <a:p>
+            <a:pPr marL="342900" lvl="2" indent="-342900">
+              <a:buAutoNum type="arabicPeriod"/>
+            </a:pPr>
+            <a:endParaRPr lang="en-US" dirty="0" smtClean="0"/>
+          </a:p>
+          <a:p>
+            <a:pPr marL="342900" indent="-342900">
+              <a:buFont typeface="+mj-lt"/>
+              <a:buAutoNum type="arabicPeriod" startAt="2"/>
+            </a:pPr>
+            <a:endParaRPr lang="en-US" dirty="0"/>
+          </a:p>
+        </p:txBody>
+      </p:sp>
+    </p:spTree>
+    <p:extLst>
+      <p:ext uri="{BB962C8B-B14F-4D97-AF65-F5344CB8AC3E}">
+        <p14:creationId xmlns:p14="http://schemas.microsoft.com/office/powerpoint/2010/main" val="1051093593"/>
+      </p:ext>
+    </p:extLst>
+  </p:cSld>
+  <p:clrMapOvr>
+    <a:masterClrMapping/>
+  </p:clrMapOvr>
+</p:sld>
+</file>
+
+<file path=ppt/slides/slide3.xml><?xml version="1.0" encoding="utf-8"?>
+<p:sld xmlns:a="http://schemas.openxmlformats.org/drawingml/2006/main" xmlns:r="http://schemas.openxmlformats.org/officeDocument/2006/relationships" xmlns:p="http://schemas.openxmlformats.org/presentationml/2006/main">
+  <p:cSld>
+    <p:spTree>
+      <p:nvGrpSpPr>
+        <p:cNvPr id="1" name=""/>
+        <p:cNvGrpSpPr/>
+        <p:nvPr/>
+      </p:nvGrpSpPr>
+      <p:grpSpPr>
+        <a:xfrm>
+          <a:off x="0" y="0"/>
+          <a:ext cx="0" cy="0"/>
+          <a:chOff x="0" y="0"/>
+          <a:chExt cx="0" cy="0"/>
+        </a:xfrm>
+      </p:grpSpPr>
+      <p:sp>
+        <p:nvSpPr>
+          <p:cNvPr id="3" name="Subtitle 2"/>
+          <p:cNvSpPr>
+            <a:spLocks noGrp="1"/>
+          </p:cNvSpPr>
+          <p:nvPr>
+            <p:ph type="subTitle"/>
+          </p:nvPr>
+        </p:nvSpPr>
+        <p:spPr>
+          <a:xfrm>
+            <a:off x="504000" y="352741"/>
+            <a:ext cx="9071640" cy="6402243"/>
+          </a:xfrm>
+        </p:spPr>
+        <p:txBody>
+          <a:bodyPr/>
+          <a:lstStyle/>
+          <a:p>
+            <a:r>
+              <a:rPr lang="en-US" dirty="0" smtClean="0"/>
+              <a:t>Automatic validation</a:t>
+            </a:r>
+          </a:p>
+          <a:p>
+            <a:pPr marL="342900" indent="-342900">
+              <a:buFont typeface="+mj-lt"/>
+              <a:buAutoNum type="arabicPeriod"/>
+            </a:pPr>
+            <a:r>
+              <a:rPr lang="en-US" dirty="0" smtClean="0"/>
+              <a:t>&gt; Validation. Solve all warnings, except roads without names. With a right mouse click you go to the object.</a:t>
+            </a:r>
+          </a:p>
+          <a:p>
+            <a:pPr marL="342900" indent="-342900">
+              <a:buFont typeface="+mj-lt"/>
+              <a:buAutoNum type="arabicPeriod"/>
+            </a:pPr>
+            <a:r>
+              <a:rPr lang="en-US" dirty="0" smtClean="0"/>
+              <a:t>Usual warnings are:</a:t>
+            </a:r>
+          </a:p>
+          <a:p>
+            <a:pPr marL="342900" indent="-342900">
+              <a:buFont typeface="+mj-lt"/>
+              <a:buAutoNum type="arabicPeriod"/>
+            </a:pPr>
+            <a:endParaRPr lang="en-US" dirty="0" smtClean="0"/>
+          </a:p>
+          <a:p>
+            <a:pPr marL="285750" lvl="5" indent="-285750">
+              <a:buFont typeface="Arial"/>
+              <a:buChar char="•"/>
+            </a:pPr>
+            <a:r>
+              <a:rPr lang="en-US" dirty="0" smtClean="0"/>
+              <a:t>Crossing buildings – Unglue the building by selecting node and use shortcut “g”.</a:t>
+            </a:r>
+          </a:p>
+          <a:p>
+            <a:pPr marL="285750" lvl="5" indent="-285750">
+              <a:buFont typeface="Arial"/>
+              <a:buChar char="•"/>
+            </a:pPr>
+            <a:r>
+              <a:rPr lang="en-US" dirty="0" smtClean="0"/>
+              <a:t>Unnamed ways: leave is, you do not know the name of the road</a:t>
+            </a:r>
+          </a:p>
+          <a:p>
+            <a:pPr marL="285750" lvl="5" indent="-285750">
+              <a:buFont typeface="Arial"/>
+              <a:buChar char="•"/>
+            </a:pPr>
+            <a:r>
+              <a:rPr lang="en-US" dirty="0" smtClean="0"/>
+              <a:t>Untagged ways: tag it with :highway/residential”</a:t>
+            </a:r>
+          </a:p>
+          <a:p>
+            <a:pPr marL="285750" lvl="5" indent="-285750">
+              <a:buFont typeface="Arial"/>
+              <a:buChar char="•"/>
+            </a:pPr>
+            <a:r>
+              <a:rPr lang="en-US" dirty="0" smtClean="0"/>
+              <a:t>Untagged building: tag with building/residential</a:t>
+            </a:r>
+          </a:p>
+          <a:p>
+            <a:pPr marL="285750" lvl="5" indent="-285750">
+              <a:buFont typeface="Arial"/>
+              <a:buChar char="•"/>
+            </a:pPr>
+            <a:r>
+              <a:rPr lang="en-US" dirty="0" smtClean="0"/>
+              <a:t>Crossing ways: put node one right place and merge (shortcut “M”)</a:t>
+            </a:r>
+          </a:p>
+          <a:p>
+            <a:pPr marL="342900" lvl="5" indent="-342900">
+              <a:buFont typeface="+mj-lt"/>
+              <a:buAutoNum type="arabicPeriod"/>
+            </a:pPr>
+            <a:endParaRPr lang="en-US" dirty="0" smtClean="0"/>
+          </a:p>
+          <a:p>
+            <a:pPr lvl="5"/>
+            <a:r>
+              <a:rPr lang="en-US" dirty="0" smtClean="0"/>
+              <a:t>More checks can be done by using the selection </a:t>
+            </a:r>
+            <a:r>
+              <a:rPr lang="en-US" dirty="0"/>
+              <a:t>b</a:t>
+            </a:r>
+            <a:r>
+              <a:rPr lang="en-US" dirty="0" smtClean="0"/>
+              <a:t>ox. E.g.: </a:t>
+            </a:r>
+            <a:r>
+              <a:rPr lang="en-US" dirty="0" smtClean="0"/>
+              <a:t>Select: highway=*. Select value “different”. If there are unclassified highways tag them as  residential</a:t>
+            </a:r>
+          </a:p>
+          <a:p>
+            <a:pPr lvl="2"/>
+            <a:endParaRPr lang="en-US" dirty="0" smtClean="0"/>
+          </a:p>
+          <a:p>
+            <a:pPr marL="342900" indent="-342900">
+              <a:buFont typeface="+mj-lt"/>
+              <a:buAutoNum type="arabicPeriod"/>
+            </a:pPr>
+            <a:r>
+              <a:rPr lang="en-US" dirty="0" smtClean="0"/>
+              <a:t>Do a validation again. If only unnamed ways are left, you finished the validation</a:t>
+            </a:r>
+          </a:p>
+          <a:p>
+            <a:endParaRPr lang="en-US" dirty="0"/>
+          </a:p>
+          <a:p>
+            <a:r>
+              <a:rPr lang="en-US" dirty="0" smtClean="0"/>
+              <a:t>4. Upload you changes</a:t>
+            </a:r>
+          </a:p>
+          <a:p>
+            <a:endParaRPr lang="en-US" dirty="0"/>
+          </a:p>
+          <a:p>
+            <a:r>
+              <a:rPr lang="en-US" dirty="0" smtClean="0"/>
+              <a:t>5. In the browser put your comment. Pay attention to: clouds, which </a:t>
+            </a:r>
+            <a:r>
+              <a:rPr lang="en-US" dirty="0" err="1" smtClean="0"/>
+              <a:t>objecttypes</a:t>
+            </a:r>
+            <a:r>
+              <a:rPr lang="en-US" dirty="0" smtClean="0"/>
+              <a:t> are mapped, changes you did in existing objects</a:t>
+            </a:r>
+          </a:p>
+          <a:p>
+            <a:pPr marL="285750" indent="-285750">
+              <a:buFontTx/>
+              <a:buChar char="-"/>
+            </a:pPr>
+            <a:endParaRPr lang="en-US" dirty="0" smtClean="0"/>
+          </a:p>
+          <a:p>
+            <a:pPr marL="285750" indent="-285750">
+              <a:buFontTx/>
+              <a:buChar char="-"/>
+            </a:pPr>
+            <a:endParaRPr lang="en-US" dirty="0" smtClean="0"/>
+          </a:p>
+          <a:p>
+            <a:pPr marL="342900" lvl="1" indent="-342900">
+              <a:buFont typeface="+mj-lt"/>
+              <a:buAutoNum type="arabicPeriod"/>
+            </a:pPr>
+            <a:endParaRPr lang="en-US" dirty="0" smtClean="0"/>
+          </a:p>
+          <a:p>
+            <a:pPr marL="342900" indent="-342900">
+              <a:buFont typeface="+mj-lt"/>
+              <a:buAutoNum type="arabicPeriod"/>
+            </a:pPr>
+            <a:endParaRPr lang="en-US" dirty="0"/>
+          </a:p>
+        </p:txBody>
+      </p:sp>
+    </p:spTree>
+    <p:extLst>
+      <p:ext uri="{BB962C8B-B14F-4D97-AF65-F5344CB8AC3E}">
+        <p14:creationId xmlns:p14="http://schemas.microsoft.com/office/powerpoint/2010/main" val="1910977371"/>
+      </p:ext>
+    </p:extLst>
   </p:cSld>
   <p:clrMapOvr>
     <a:masterClrMapping/>
@@ -1981,4 +3106,324 @@
   <a:objectDefaults/>
   <a:extraClrSchemeLst/>
 </a:theme>
+</file>
+
+<file path=ppt/theme/theme2.xml><?xml version="1.0" encoding="utf-8"?>
+<a:theme xmlns:a="http://schemas.openxmlformats.org/drawingml/2006/main" name="Office Theme">
+  <a:themeElements>
+    <a:clrScheme name="Office">
+      <a:dk1>
+        <a:sysClr val="windowText" lastClr="000000"/>
+      </a:dk1>
+      <a:lt1>
+        <a:sysClr val="window" lastClr="FFFFFF"/>
+      </a:lt1>
+      <a:dk2>
+        <a:srgbClr val="1F497D"/>
+      </a:dk2>
+      <a:lt2>
+        <a:srgbClr val="EEECE1"/>
+      </a:lt2>
+      <a:accent1>
+        <a:srgbClr val="4F81BD"/>
+      </a:accent1>
+      <a:accent2>
+        <a:srgbClr val="C0504D"/>
+      </a:accent2>
+      <a:accent3>
+        <a:srgbClr val="9BBB59"/>
+      </a:accent3>
+      <a:accent4>
+        <a:srgbClr val="8064A2"/>
+      </a:accent4>
+      <a:accent5>
+        <a:srgbClr val="4BACC6"/>
+      </a:accent5>
+      <a:accent6>
+        <a:srgbClr val="F79646"/>
+      </a:accent6>
+      <a:hlink>
+        <a:srgbClr val="0000FF"/>
+      </a:hlink>
+      <a:folHlink>
+        <a:srgbClr val="800080"/>
+      </a:folHlink>
+    </a:clrScheme>
+    <a:fontScheme name="Office">
+      <a:majorFont>
+        <a:latin typeface="Calibri"/>
+        <a:ea typeface=""/>
+        <a:cs typeface=""/>
+        <a:font script="Jpan" typeface="ＭＳ Ｐゴシック"/>
+        <a:font script="Hang" typeface="맑은 고딕"/>
+        <a:font script="Hans" typeface="宋体"/>
+        <a:font script="Hant" typeface="新細明體"/>
+        <a:font script="Arab" typeface="Times New Roman"/>
+        <a:font script="Hebr" typeface="Times New Roman"/>
+        <a:font script="Thai" typeface="Angsana New"/>
+        <a:font script="Ethi" typeface="Nyala"/>
+        <a:font script="Beng" typeface="Vrinda"/>
+        <a:font script="Gujr" typeface="Shruti"/>
+        <a:font script="Khmr" typeface="MoolBoran"/>
+        <a:font script="Knda" typeface="Tunga"/>
+        <a:font script="Guru" typeface="Raavi"/>
+        <a:font script="Cans" typeface="Euphemia"/>
+        <a:font script="Cher" typeface="Plantagenet Cherokee"/>
+        <a:font script="Yiii" typeface="Microsoft Yi Baiti"/>
+        <a:font script="Tibt" typeface="Microsoft Himalaya"/>
+        <a:font script="Thaa" typeface="MV Boli"/>
+        <a:font script="Deva" typeface="Mangal"/>
+        <a:font script="Telu" typeface="Gautami"/>
+        <a:font script="Taml" typeface="Latha"/>
+        <a:font script="Syrc" typeface="Estrangelo Edessa"/>
+        <a:font script="Orya" typeface="Kalinga"/>
+        <a:font script="Mlym" typeface="Kartika"/>
+        <a:font script="Laoo" typeface="DokChampa"/>
+        <a:font script="Sinh" typeface="Iskoola Pota"/>
+        <a:font script="Mong" typeface="Mongolian Baiti"/>
+        <a:font script="Viet" typeface="Times New Roman"/>
+        <a:font script="Uigh" typeface="Microsoft Uighur"/>
+        <a:font script="Geor" typeface="Sylfaen"/>
+      </a:majorFont>
+      <a:minorFont>
+        <a:latin typeface="Calibri"/>
+        <a:ea typeface=""/>
+        <a:cs typeface=""/>
+        <a:font script="Jpan" typeface="ＭＳ Ｐゴシック"/>
+        <a:font script="Hang" typeface="맑은 고딕"/>
+        <a:font script="Hans" typeface="宋体"/>
+        <a:font script="Hant" typeface="新細明體"/>
+        <a:font script="Arab" typeface="Arial"/>
+        <a:font script="Hebr" typeface="Arial"/>
+        <a:font script="Thai" typeface="Cordia New"/>
+        <a:font script="Ethi" typeface="Nyala"/>
+        <a:font script="Beng" typeface="Vrinda"/>
+        <a:font script="Gujr" typeface="Shruti"/>
+        <a:font script="Khmr" typeface="DaunPenh"/>
+        <a:font script="Knda" typeface="Tunga"/>
+        <a:font script="Guru" typeface="Raavi"/>
+        <a:font script="Cans" typeface="Euphemia"/>
+        <a:font script="Cher" typeface="Plantagenet Cherokee"/>
+        <a:font script="Yiii" typeface="Microsoft Yi Baiti"/>
+        <a:font script="Tibt" typeface="Microsoft Himalaya"/>
+        <a:font script="Thaa" typeface="MV Boli"/>
+        <a:font script="Deva" typeface="Mangal"/>
+        <a:font script="Telu" typeface="Gautami"/>
+        <a:font script="Taml" typeface="Latha"/>
+        <a:font script="Syrc" typeface="Estrangelo Edessa"/>
+        <a:font script="Orya" typeface="Kalinga"/>
+        <a:font script="Mlym" typeface="Kartika"/>
+        <a:font script="Laoo" typeface="DokChampa"/>
+        <a:font script="Sinh" typeface="Iskoola Pota"/>
+        <a:font script="Mong" typeface="Mongolian Baiti"/>
+        <a:font script="Viet" typeface="Arial"/>
+        <a:font script="Uigh" typeface="Microsoft Uighur"/>
+        <a:font script="Geor" typeface="Sylfaen"/>
+      </a:minorFont>
+    </a:fontScheme>
+    <a:fmtScheme name="Office">
+      <a:fillStyleLst>
+        <a:solidFill>
+          <a:schemeClr val="phClr"/>
+        </a:solidFill>
+        <a:gradFill rotWithShape="1">
+          <a:gsLst>
+            <a:gs pos="0">
+              <a:schemeClr val="phClr">
+                <a:tint val="50000"/>
+                <a:satMod val="300000"/>
+              </a:schemeClr>
+            </a:gs>
+            <a:gs pos="35000">
+              <a:schemeClr val="phClr">
+                <a:tint val="37000"/>
+                <a:satMod val="300000"/>
+              </a:schemeClr>
+            </a:gs>
+            <a:gs pos="100000">
+              <a:schemeClr val="phClr">
+                <a:tint val="15000"/>
+                <a:satMod val="350000"/>
+              </a:schemeClr>
+            </a:gs>
+          </a:gsLst>
+          <a:lin ang="16200000" scaled="1"/>
+        </a:gradFill>
+        <a:gradFill rotWithShape="1">
+          <a:gsLst>
+            <a:gs pos="0">
+              <a:schemeClr val="phClr">
+                <a:tint val="100000"/>
+                <a:shade val="100000"/>
+                <a:satMod val="130000"/>
+              </a:schemeClr>
+            </a:gs>
+            <a:gs pos="100000">
+              <a:schemeClr val="phClr">
+                <a:tint val="50000"/>
+                <a:shade val="100000"/>
+                <a:satMod val="350000"/>
+              </a:schemeClr>
+            </a:gs>
+          </a:gsLst>
+          <a:lin ang="16200000" scaled="0"/>
+        </a:gradFill>
+      </a:fillStyleLst>
+      <a:lnStyleLst>
+        <a:ln w="9525" cap="flat" cmpd="sng" algn="ctr">
+          <a:solidFill>
+            <a:schemeClr val="phClr">
+              <a:shade val="95000"/>
+              <a:satMod val="105000"/>
+            </a:schemeClr>
+          </a:solidFill>
+          <a:prstDash val="solid"/>
+        </a:ln>
+        <a:ln w="25400" cap="flat" cmpd="sng" algn="ctr">
+          <a:solidFill>
+            <a:schemeClr val="phClr"/>
+          </a:solidFill>
+          <a:prstDash val="solid"/>
+        </a:ln>
+        <a:ln w="38100" cap="flat" cmpd="sng" algn="ctr">
+          <a:solidFill>
+            <a:schemeClr val="phClr"/>
+          </a:solidFill>
+          <a:prstDash val="solid"/>
+        </a:ln>
+      </a:lnStyleLst>
+      <a:effectStyleLst>
+        <a:effectStyle>
+          <a:effectLst>
+            <a:outerShdw blurRad="40000" dist="20000" dir="5400000" rotWithShape="0">
+              <a:srgbClr val="000000">
+                <a:alpha val="38000"/>
+              </a:srgbClr>
+            </a:outerShdw>
+          </a:effectLst>
+        </a:effectStyle>
+        <a:effectStyle>
+          <a:effectLst>
+            <a:outerShdw blurRad="40000" dist="23000" dir="5400000" rotWithShape="0">
+              <a:srgbClr val="000000">
+                <a:alpha val="35000"/>
+              </a:srgbClr>
+            </a:outerShdw>
+          </a:effectLst>
+        </a:effectStyle>
+        <a:effectStyle>
+          <a:effectLst>
+            <a:outerShdw blurRad="40000" dist="23000" dir="5400000" rotWithShape="0">
+              <a:srgbClr val="000000">
+                <a:alpha val="35000"/>
+              </a:srgbClr>
+            </a:outerShdw>
+          </a:effectLst>
+          <a:scene3d>
+            <a:camera prst="orthographicFront">
+              <a:rot lat="0" lon="0" rev="0"/>
+            </a:camera>
+            <a:lightRig rig="threePt" dir="t">
+              <a:rot lat="0" lon="0" rev="1200000"/>
+            </a:lightRig>
+          </a:scene3d>
+          <a:sp3d>
+            <a:bevelT w="63500" h="25400"/>
+          </a:sp3d>
+        </a:effectStyle>
+      </a:effectStyleLst>
+      <a:bgFillStyleLst>
+        <a:solidFill>
+          <a:schemeClr val="phClr"/>
+        </a:solidFill>
+        <a:gradFill rotWithShape="1">
+          <a:gsLst>
+            <a:gs pos="0">
+              <a:schemeClr val="phClr">
+                <a:tint val="40000"/>
+                <a:satMod val="350000"/>
+              </a:schemeClr>
+            </a:gs>
+            <a:gs pos="40000">
+              <a:schemeClr val="phClr">
+                <a:tint val="45000"/>
+                <a:shade val="99000"/>
+                <a:satMod val="350000"/>
+              </a:schemeClr>
+            </a:gs>
+            <a:gs pos="100000">
+              <a:schemeClr val="phClr">
+                <a:shade val="20000"/>
+                <a:satMod val="255000"/>
+              </a:schemeClr>
+            </a:gs>
+          </a:gsLst>
+          <a:path path="circle">
+            <a:fillToRect l="50000" t="-80000" r="50000" b="180000"/>
+          </a:path>
+        </a:gradFill>
+        <a:gradFill rotWithShape="1">
+          <a:gsLst>
+            <a:gs pos="0">
+              <a:schemeClr val="phClr">
+                <a:tint val="80000"/>
+                <a:satMod val="300000"/>
+              </a:schemeClr>
+            </a:gs>
+            <a:gs pos="100000">
+              <a:schemeClr val="phClr">
+                <a:shade val="30000"/>
+                <a:satMod val="200000"/>
+              </a:schemeClr>
+            </a:gs>
+          </a:gsLst>
+          <a:path path="circle">
+            <a:fillToRect l="50000" t="50000" r="50000" b="50000"/>
+          </a:path>
+        </a:gradFill>
+      </a:bgFillStyleLst>
+    </a:fmtScheme>
+  </a:themeElements>
+  <a:objectDefaults>
+    <a:spDef>
+      <a:spPr/>
+      <a:bodyPr/>
+      <a:lstStyle/>
+      <a:style>
+        <a:lnRef idx="1">
+          <a:schemeClr val="accent1"/>
+        </a:lnRef>
+        <a:fillRef idx="3">
+          <a:schemeClr val="accent1"/>
+        </a:fillRef>
+        <a:effectRef idx="2">
+          <a:schemeClr val="accent1"/>
+        </a:effectRef>
+        <a:fontRef idx="minor">
+          <a:schemeClr val="lt1"/>
+        </a:fontRef>
+      </a:style>
+    </a:spDef>
+    <a:lnDef>
+      <a:spPr/>
+      <a:bodyPr/>
+      <a:lstStyle/>
+      <a:style>
+        <a:lnRef idx="2">
+          <a:schemeClr val="accent1"/>
+        </a:lnRef>
+        <a:fillRef idx="0">
+          <a:schemeClr val="accent1"/>
+        </a:fillRef>
+        <a:effectRef idx="1">
+          <a:schemeClr val="accent1"/>
+        </a:effectRef>
+        <a:fontRef idx="minor">
+          <a:schemeClr val="tx1"/>
+        </a:fontRef>
+      </a:style>
+    </a:lnDef>
+  </a:objectDefaults>
+  <a:extraClrSchemeLst/>
+</a:theme>
 </file>